--- a/Apresentacao Linguagem R.pptx
+++ b/Apresentacao Linguagem R.pptx
@@ -25,12 +25,15 @@
     <p:sldId id="273" r:id="rId19"/>
     <p:sldId id="274" r:id="rId20"/>
     <p:sldId id="275" r:id="rId21"/>
-    <p:sldId id="276" r:id="rId22"/>
-    <p:sldId id="277" r:id="rId23"/>
-    <p:sldId id="278" r:id="rId24"/>
-    <p:sldId id="279" r:id="rId25"/>
-    <p:sldId id="280" r:id="rId26"/>
-    <p:sldId id="281" r:id="rId27"/>
+    <p:sldId id="282" r:id="rId22"/>
+    <p:sldId id="283" r:id="rId23"/>
+    <p:sldId id="284" r:id="rId24"/>
+    <p:sldId id="276" r:id="rId25"/>
+    <p:sldId id="277" r:id="rId26"/>
+    <p:sldId id="278" r:id="rId27"/>
+    <p:sldId id="279" r:id="rId28"/>
+    <p:sldId id="280" r:id="rId29"/>
+    <p:sldId id="281" r:id="rId30"/>
   </p:sldIdLst>
   <p:sldSz cx="12192000" cy="6858000"/>
   <p:notesSz cx="6858000" cy="9144000"/>
@@ -11033,7 +11036,12 @@
             <p:ph type="title"/>
           </p:nvPr>
         </p:nvSpPr>
-        <p:spPr/>
+        <p:spPr>
+          <a:xfrm>
+            <a:off x="1484311" y="685800"/>
+            <a:ext cx="10018713" cy="852055"/>
+          </a:xfrm>
+        </p:spPr>
         <p:txBody>
           <a:bodyPr/>
           <a:lstStyle/>
@@ -11058,7 +11066,7 @@
         </p:nvSpPr>
         <p:spPr>
           <a:xfrm>
-            <a:off x="1484310" y="2180493"/>
+            <a:off x="1484311" y="1931111"/>
             <a:ext cx="10018713" cy="3610708"/>
           </a:xfrm>
         </p:spPr>
@@ -11230,6 +11238,836 @@
 </file>
 
 <file path=ppt/slides/slide21.xml><?xml version="1.0" encoding="utf-8"?>
+<p:sld xmlns:a="http://schemas.openxmlformats.org/drawingml/2006/main" xmlns:r="http://schemas.openxmlformats.org/officeDocument/2006/relationships" xmlns:p="http://schemas.openxmlformats.org/presentationml/2006/main">
+  <p:cSld>
+    <p:spTree>
+      <p:nvGrpSpPr>
+        <p:cNvPr id="1" name=""/>
+        <p:cNvGrpSpPr/>
+        <p:nvPr/>
+      </p:nvGrpSpPr>
+      <p:grpSpPr>
+        <a:xfrm>
+          <a:off x="0" y="0"/>
+          <a:ext cx="0" cy="0"/>
+          <a:chOff x="0" y="0"/>
+          <a:chExt cx="0" cy="0"/>
+        </a:xfrm>
+      </p:grpSpPr>
+      <p:sp>
+        <p:nvSpPr>
+          <p:cNvPr id="2" name="Título 1"/>
+          <p:cNvSpPr>
+            <a:spLocks noGrp="1"/>
+          </p:cNvSpPr>
+          <p:nvPr>
+            <p:ph type="title"/>
+          </p:nvPr>
+        </p:nvSpPr>
+        <p:spPr>
+          <a:xfrm>
+            <a:off x="1484311" y="685801"/>
+            <a:ext cx="10018713" cy="838200"/>
+          </a:xfrm>
+        </p:spPr>
+        <p:txBody>
+          <a:bodyPr/>
+          <a:lstStyle/>
+          <a:p>
+            <a:r>
+              <a:rPr lang="pt-BR" dirty="0" smtClean="0"/>
+              <a:t>Operações simples com Data Frames</a:t>
+            </a:r>
+            <a:endParaRPr lang="pt-BR" dirty="0"/>
+          </a:p>
+        </p:txBody>
+      </p:sp>
+      <p:sp>
+        <p:nvSpPr>
+          <p:cNvPr id="3" name="Espaço Reservado para Conteúdo 2"/>
+          <p:cNvSpPr>
+            <a:spLocks noGrp="1"/>
+          </p:cNvSpPr>
+          <p:nvPr>
+            <p:ph idx="1"/>
+          </p:nvPr>
+        </p:nvSpPr>
+        <p:spPr>
+          <a:xfrm>
+            <a:off x="1484310" y="1884218"/>
+            <a:ext cx="10018713" cy="4419600"/>
+          </a:xfrm>
+        </p:spPr>
+        <p:txBody>
+          <a:bodyPr>
+            <a:normAutofit fontScale="85000" lnSpcReduction="20000"/>
+          </a:bodyPr>
+          <a:lstStyle/>
+          <a:p>
+            <a:pPr marL="0" indent="0">
+              <a:buNone/>
+            </a:pPr>
+            <a:r>
+              <a:rPr lang="pt-BR" dirty="0" smtClean="0"/>
+              <a:t>&gt; </a:t>
+            </a:r>
+            <a:r>
+              <a:rPr lang="pt-BR" dirty="0" err="1" smtClean="0"/>
+              <a:t>df</a:t>
+            </a:r>
+            <a:r>
+              <a:rPr lang="pt-BR" dirty="0" smtClean="0"/>
+              <a:t> &lt;- read.csv(“arquivo.csv)</a:t>
+            </a:r>
+          </a:p>
+          <a:p>
+            <a:pPr marL="0" indent="0">
+              <a:buNone/>
+            </a:pPr>
+            <a:r>
+              <a:rPr lang="pt-BR" dirty="0" smtClean="0"/>
+              <a:t># Retornar inicio do data frame</a:t>
+            </a:r>
+          </a:p>
+          <a:p>
+            <a:pPr marL="0" indent="0">
+              <a:buNone/>
+            </a:pPr>
+            <a:r>
+              <a:rPr lang="pt-BR" dirty="0" smtClean="0"/>
+              <a:t>&gt; </a:t>
+            </a:r>
+            <a:r>
+              <a:rPr lang="pt-BR" dirty="0" err="1" smtClean="0"/>
+              <a:t>head</a:t>
+            </a:r>
+            <a:r>
+              <a:rPr lang="pt-BR" dirty="0" smtClean="0"/>
+              <a:t>(</a:t>
+            </a:r>
+            <a:r>
+              <a:rPr lang="pt-BR" dirty="0" err="1" smtClean="0"/>
+              <a:t>df</a:t>
+            </a:r>
+            <a:r>
+              <a:rPr lang="pt-BR" dirty="0" smtClean="0"/>
+              <a:t>)</a:t>
+            </a:r>
+          </a:p>
+          <a:p>
+            <a:pPr marL="0" indent="0">
+              <a:buNone/>
+            </a:pPr>
+            <a:r>
+              <a:rPr lang="pt-BR" dirty="0" smtClean="0"/>
+              <a:t># Retornar final do data frame</a:t>
+            </a:r>
+          </a:p>
+          <a:p>
+            <a:pPr marL="0" indent="0">
+              <a:buNone/>
+            </a:pPr>
+            <a:r>
+              <a:rPr lang="pt-BR" dirty="0" smtClean="0"/>
+              <a:t>&gt; </a:t>
+            </a:r>
+            <a:r>
+              <a:rPr lang="pt-BR" dirty="0" err="1" smtClean="0"/>
+              <a:t>tail</a:t>
+            </a:r>
+            <a:r>
+              <a:rPr lang="pt-BR" dirty="0" smtClean="0"/>
+              <a:t>(</a:t>
+            </a:r>
+            <a:r>
+              <a:rPr lang="pt-BR" dirty="0" err="1" smtClean="0"/>
+              <a:t>df</a:t>
+            </a:r>
+            <a:r>
+              <a:rPr lang="pt-BR" dirty="0" smtClean="0"/>
+              <a:t>)</a:t>
+            </a:r>
+          </a:p>
+          <a:p>
+            <a:pPr marL="0" indent="0">
+              <a:buNone/>
+            </a:pPr>
+            <a:r>
+              <a:rPr lang="pt-BR" dirty="0" smtClean="0"/>
+              <a:t># Retornar 1000 primeiras linhas</a:t>
+            </a:r>
+          </a:p>
+          <a:p>
+            <a:pPr marL="0" indent="0">
+              <a:buNone/>
+            </a:pPr>
+            <a:r>
+              <a:rPr lang="pt-BR" dirty="0" smtClean="0"/>
+              <a:t>&gt; </a:t>
+            </a:r>
+            <a:r>
+              <a:rPr lang="pt-BR" dirty="0" err="1" smtClean="0"/>
+              <a:t>head</a:t>
+            </a:r>
+            <a:r>
+              <a:rPr lang="pt-BR" dirty="0" smtClean="0"/>
+              <a:t>(</a:t>
+            </a:r>
+            <a:r>
+              <a:rPr lang="pt-BR" dirty="0" err="1" smtClean="0"/>
+              <a:t>df</a:t>
+            </a:r>
+            <a:r>
+              <a:rPr lang="pt-BR" dirty="0" smtClean="0"/>
+              <a:t>, n = 1000)</a:t>
+            </a:r>
+          </a:p>
+          <a:p>
+            <a:pPr marL="0" indent="0">
+              <a:buNone/>
+            </a:pPr>
+            <a:r>
+              <a:rPr lang="pt-BR" dirty="0" smtClean="0"/>
+              <a:t># Visualizar nome das colunas</a:t>
+            </a:r>
+          </a:p>
+          <a:p>
+            <a:pPr marL="0" indent="0">
+              <a:buNone/>
+            </a:pPr>
+            <a:r>
+              <a:rPr lang="pt-BR" dirty="0" smtClean="0"/>
+              <a:t>&gt;</a:t>
+            </a:r>
+            <a:r>
+              <a:rPr lang="pt-BR" dirty="0" err="1" smtClean="0"/>
+              <a:t>names</a:t>
+            </a:r>
+            <a:r>
+              <a:rPr lang="pt-BR" dirty="0" smtClean="0"/>
+              <a:t>(</a:t>
+            </a:r>
+            <a:r>
+              <a:rPr lang="pt-BR" dirty="0" err="1" smtClean="0"/>
+              <a:t>df</a:t>
+            </a:r>
+            <a:r>
+              <a:rPr lang="pt-BR" dirty="0" smtClean="0"/>
+              <a:t>)</a:t>
+            </a:r>
+          </a:p>
+          <a:p>
+            <a:pPr marL="0" indent="0">
+              <a:buNone/>
+            </a:pPr>
+            <a:r>
+              <a:rPr lang="pt-BR" dirty="0" smtClean="0"/>
+              <a:t># Atribuir nome das colunas</a:t>
+            </a:r>
+          </a:p>
+          <a:p>
+            <a:pPr marL="0" indent="0">
+              <a:buNone/>
+            </a:pPr>
+            <a:r>
+              <a:rPr lang="pt-BR" dirty="0" smtClean="0"/>
+              <a:t>&gt;</a:t>
+            </a:r>
+            <a:r>
+              <a:rPr lang="pt-BR" dirty="0" err="1" smtClean="0"/>
+              <a:t>names</a:t>
+            </a:r>
+            <a:r>
+              <a:rPr lang="pt-BR" dirty="0" smtClean="0"/>
+              <a:t>(</a:t>
+            </a:r>
+            <a:r>
+              <a:rPr lang="pt-BR" dirty="0" err="1" smtClean="0"/>
+              <a:t>df</a:t>
+            </a:r>
+            <a:r>
+              <a:rPr lang="pt-BR" dirty="0" smtClean="0"/>
+              <a:t>) &lt;- c(“nome da coluna 1”, “nome da coluna 2”, ... )</a:t>
+            </a:r>
+          </a:p>
+          <a:p>
+            <a:pPr marL="0" indent="0">
+              <a:buNone/>
+            </a:pPr>
+            <a:endParaRPr lang="pt-BR" dirty="0"/>
+          </a:p>
+        </p:txBody>
+      </p:sp>
+    </p:spTree>
+    <p:extLst>
+      <p:ext uri="{BB962C8B-B14F-4D97-AF65-F5344CB8AC3E}">
+        <p14:creationId xmlns:p14="http://schemas.microsoft.com/office/powerpoint/2010/main" val="3876892408"/>
+      </p:ext>
+    </p:extLst>
+  </p:cSld>
+  <p:clrMapOvr>
+    <a:masterClrMapping/>
+  </p:clrMapOvr>
+</p:sld>
+</file>
+
+<file path=ppt/slides/slide22.xml><?xml version="1.0" encoding="utf-8"?>
+<p:sld xmlns:a="http://schemas.openxmlformats.org/drawingml/2006/main" xmlns:r="http://schemas.openxmlformats.org/officeDocument/2006/relationships" xmlns:p="http://schemas.openxmlformats.org/presentationml/2006/main">
+  <p:cSld>
+    <p:spTree>
+      <p:nvGrpSpPr>
+        <p:cNvPr id="1" name=""/>
+        <p:cNvGrpSpPr/>
+        <p:nvPr/>
+      </p:nvGrpSpPr>
+      <p:grpSpPr>
+        <a:xfrm>
+          <a:off x="0" y="0"/>
+          <a:ext cx="0" cy="0"/>
+          <a:chOff x="0" y="0"/>
+          <a:chExt cx="0" cy="0"/>
+        </a:xfrm>
+      </p:grpSpPr>
+      <p:sp>
+        <p:nvSpPr>
+          <p:cNvPr id="3" name="Espaço Reservado para Conteúdo 2"/>
+          <p:cNvSpPr>
+            <a:spLocks noGrp="1"/>
+          </p:cNvSpPr>
+          <p:nvPr>
+            <p:ph idx="1"/>
+          </p:nvPr>
+        </p:nvSpPr>
+        <p:spPr>
+          <a:xfrm>
+            <a:off x="1484310" y="1579419"/>
+            <a:ext cx="10018713" cy="4793672"/>
+          </a:xfrm>
+        </p:spPr>
+        <p:txBody>
+          <a:bodyPr>
+            <a:normAutofit fontScale="77500" lnSpcReduction="20000"/>
+          </a:bodyPr>
+          <a:lstStyle/>
+          <a:p>
+            <a:pPr marL="0" indent="0">
+              <a:buNone/>
+            </a:pPr>
+            <a:r>
+              <a:rPr lang="pt-BR" dirty="0" smtClean="0"/>
+              <a:t># Retorna a coluna  como um data frame</a:t>
+            </a:r>
+          </a:p>
+          <a:p>
+            <a:pPr marL="0" indent="0">
+              <a:buNone/>
+            </a:pPr>
+            <a:r>
+              <a:rPr lang="pt-BR" dirty="0" smtClean="0"/>
+              <a:t>&gt; </a:t>
+            </a:r>
+            <a:r>
+              <a:rPr lang="pt-BR" dirty="0" err="1" smtClean="0"/>
+              <a:t>df</a:t>
+            </a:r>
+            <a:r>
+              <a:rPr lang="pt-BR" dirty="0" smtClean="0"/>
+              <a:t>[1]  </a:t>
+            </a:r>
+          </a:p>
+          <a:p>
+            <a:pPr marL="0" indent="0">
+              <a:buNone/>
+            </a:pPr>
+            <a:r>
+              <a:rPr lang="pt-BR" dirty="0" smtClean="0"/>
+              <a:t># Retorna a coluna como um vetor do conteúdo nela</a:t>
+            </a:r>
+          </a:p>
+          <a:p>
+            <a:pPr marL="0" indent="0">
+              <a:buNone/>
+            </a:pPr>
+            <a:r>
+              <a:rPr lang="pt-BR" dirty="0" smtClean="0"/>
+              <a:t>&gt; </a:t>
+            </a:r>
+            <a:r>
+              <a:rPr lang="pt-BR" dirty="0" err="1" smtClean="0"/>
+              <a:t>df</a:t>
+            </a:r>
+            <a:r>
+              <a:rPr lang="pt-BR" dirty="0" smtClean="0"/>
+              <a:t>[[1]]</a:t>
+            </a:r>
+          </a:p>
+          <a:p>
+            <a:pPr marL="0" indent="0">
+              <a:buNone/>
+            </a:pPr>
+            <a:r>
+              <a:rPr lang="pt-BR" dirty="0" smtClean="0"/>
+              <a:t># Retorna a linha 3</a:t>
+            </a:r>
+          </a:p>
+          <a:p>
+            <a:pPr marL="0" indent="0">
+              <a:buNone/>
+            </a:pPr>
+            <a:r>
+              <a:rPr lang="pt-BR" dirty="0" smtClean="0"/>
+              <a:t>&gt; </a:t>
+            </a:r>
+            <a:r>
+              <a:rPr lang="pt-BR" dirty="0" err="1" smtClean="0"/>
+              <a:t>df</a:t>
+            </a:r>
+            <a:r>
+              <a:rPr lang="pt-BR" dirty="0" smtClean="0"/>
+              <a:t>[3,]</a:t>
+            </a:r>
+          </a:p>
+          <a:p>
+            <a:pPr marL="0" indent="0">
+              <a:buNone/>
+            </a:pPr>
+            <a:r>
+              <a:rPr lang="pt-BR" dirty="0" smtClean="0"/>
+              <a:t># Retorna a linha 3, coluna 5</a:t>
+            </a:r>
+          </a:p>
+          <a:p>
+            <a:pPr marL="0" indent="0">
+              <a:buNone/>
+            </a:pPr>
+            <a:r>
+              <a:rPr lang="pt-BR" dirty="0" smtClean="0"/>
+              <a:t>&gt; </a:t>
+            </a:r>
+            <a:r>
+              <a:rPr lang="pt-BR" dirty="0" err="1" smtClean="0"/>
+              <a:t>df</a:t>
+            </a:r>
+            <a:r>
+              <a:rPr lang="pt-BR" dirty="0" smtClean="0"/>
+              <a:t>[3,5]</a:t>
+            </a:r>
+          </a:p>
+          <a:p>
+            <a:pPr marL="0" indent="0">
+              <a:buNone/>
+            </a:pPr>
+            <a:r>
+              <a:rPr lang="pt-BR" dirty="0" smtClean="0"/>
+              <a:t># Para atribuir valores a lógica é a mesma, no exemplo a seguir, é atribuída a </a:t>
+            </a:r>
+            <a:r>
+              <a:rPr lang="pt-BR" dirty="0" err="1" smtClean="0"/>
+              <a:t>string</a:t>
+            </a:r>
+            <a:r>
+              <a:rPr lang="pt-BR" dirty="0" smtClean="0"/>
+              <a:t> “teste” para todas as linhas da coluna 1</a:t>
+            </a:r>
+          </a:p>
+          <a:p>
+            <a:pPr marL="0" indent="0">
+              <a:buNone/>
+            </a:pPr>
+            <a:r>
+              <a:rPr lang="pt-BR" dirty="0" smtClean="0"/>
+              <a:t>&gt; </a:t>
+            </a:r>
+            <a:r>
+              <a:rPr lang="pt-BR" dirty="0" err="1" smtClean="0"/>
+              <a:t>df</a:t>
+            </a:r>
+            <a:r>
+              <a:rPr lang="pt-BR" dirty="0" smtClean="0"/>
+              <a:t>[1] &lt;- “teste”</a:t>
+            </a:r>
+          </a:p>
+          <a:p>
+            <a:pPr marL="0" indent="0">
+              <a:buNone/>
+            </a:pPr>
+            <a:r>
+              <a:rPr lang="pt-BR" dirty="0" smtClean="0"/>
+              <a:t># Você pode especificar a linha também</a:t>
+            </a:r>
+          </a:p>
+          <a:p>
+            <a:pPr marL="0" indent="0">
+              <a:buNone/>
+            </a:pPr>
+            <a:r>
+              <a:rPr lang="pt-BR" dirty="0" smtClean="0"/>
+              <a:t>&gt; </a:t>
+            </a:r>
+            <a:r>
+              <a:rPr lang="pt-BR" dirty="0" err="1" smtClean="0"/>
+              <a:t>df</a:t>
+            </a:r>
+            <a:r>
+              <a:rPr lang="pt-BR" dirty="0" smtClean="0"/>
+              <a:t>[5, 1] &lt;- “teste”</a:t>
+            </a:r>
+          </a:p>
+          <a:p>
+            <a:pPr marL="0" indent="0">
+              <a:buNone/>
+            </a:pPr>
+            <a:endParaRPr lang="pt-BR" dirty="0"/>
+          </a:p>
+        </p:txBody>
+      </p:sp>
+      <p:sp>
+        <p:nvSpPr>
+          <p:cNvPr id="4" name="Título 1"/>
+          <p:cNvSpPr>
+            <a:spLocks noGrp="1"/>
+          </p:cNvSpPr>
+          <p:nvPr>
+            <p:ph type="title"/>
+          </p:nvPr>
+        </p:nvSpPr>
+        <p:spPr>
+          <a:xfrm>
+            <a:off x="1484311" y="422564"/>
+            <a:ext cx="10018713" cy="893618"/>
+          </a:xfrm>
+        </p:spPr>
+        <p:txBody>
+          <a:bodyPr/>
+          <a:lstStyle/>
+          <a:p>
+            <a:r>
+              <a:rPr lang="pt-BR" dirty="0" smtClean="0"/>
+              <a:t>Operações simples com Data Frames</a:t>
+            </a:r>
+            <a:endParaRPr lang="pt-BR" dirty="0"/>
+          </a:p>
+        </p:txBody>
+      </p:sp>
+    </p:spTree>
+    <p:extLst>
+      <p:ext uri="{BB962C8B-B14F-4D97-AF65-F5344CB8AC3E}">
+        <p14:creationId xmlns:p14="http://schemas.microsoft.com/office/powerpoint/2010/main" val="1170123512"/>
+      </p:ext>
+    </p:extLst>
+  </p:cSld>
+  <p:clrMapOvr>
+    <a:masterClrMapping/>
+  </p:clrMapOvr>
+</p:sld>
+</file>
+
+<file path=ppt/slides/slide23.xml><?xml version="1.0" encoding="utf-8"?>
+<p:sld xmlns:a="http://schemas.openxmlformats.org/drawingml/2006/main" xmlns:r="http://schemas.openxmlformats.org/officeDocument/2006/relationships" xmlns:p="http://schemas.openxmlformats.org/presentationml/2006/main">
+  <p:cSld>
+    <p:spTree>
+      <p:nvGrpSpPr>
+        <p:cNvPr id="1" name=""/>
+        <p:cNvGrpSpPr/>
+        <p:nvPr/>
+      </p:nvGrpSpPr>
+      <p:grpSpPr>
+        <a:xfrm>
+          <a:off x="0" y="0"/>
+          <a:ext cx="0" cy="0"/>
+          <a:chOff x="0" y="0"/>
+          <a:chExt cx="0" cy="0"/>
+        </a:xfrm>
+      </p:grpSpPr>
+      <p:sp>
+        <p:nvSpPr>
+          <p:cNvPr id="3" name="Espaço Reservado para Conteúdo 2"/>
+          <p:cNvSpPr>
+            <a:spLocks noGrp="1"/>
+          </p:cNvSpPr>
+          <p:nvPr>
+            <p:ph idx="1"/>
+          </p:nvPr>
+        </p:nvSpPr>
+        <p:spPr>
+          <a:xfrm>
+            <a:off x="1484310" y="2666999"/>
+            <a:ext cx="10018713" cy="3692237"/>
+          </a:xfrm>
+        </p:spPr>
+        <p:txBody>
+          <a:bodyPr>
+            <a:normAutofit fontScale="77500" lnSpcReduction="20000"/>
+          </a:bodyPr>
+          <a:lstStyle/>
+          <a:p>
+            <a:pPr marL="0" indent="0">
+              <a:buNone/>
+            </a:pPr>
+            <a:r>
+              <a:rPr lang="pt-BR" dirty="0" smtClean="0"/>
+              <a:t># pode atribuir resultado de cálculos</a:t>
+            </a:r>
+          </a:p>
+          <a:p>
+            <a:pPr marL="0" indent="0">
+              <a:buNone/>
+            </a:pPr>
+            <a:r>
+              <a:rPr lang="pt-BR" dirty="0" smtClean="0"/>
+              <a:t>&gt; </a:t>
+            </a:r>
+            <a:r>
+              <a:rPr lang="pt-BR" dirty="0" err="1" smtClean="0"/>
+              <a:t>df$nomeDaColuna</a:t>
+            </a:r>
+            <a:r>
+              <a:rPr lang="pt-BR" dirty="0" smtClean="0"/>
+              <a:t> &lt;- </a:t>
+            </a:r>
+            <a:r>
+              <a:rPr lang="pt-BR" dirty="0" err="1" smtClean="0"/>
+              <a:t>df$nomeDaColuna</a:t>
+            </a:r>
+            <a:r>
+              <a:rPr lang="pt-BR" dirty="0" smtClean="0"/>
+              <a:t> * 10</a:t>
+            </a:r>
+          </a:p>
+          <a:p>
+            <a:pPr marL="0" indent="0">
+              <a:buNone/>
+            </a:pPr>
+            <a:r>
+              <a:rPr lang="pt-BR" dirty="0" smtClean="0"/>
+              <a:t># Pode filtrar por linha de acordo com uma condição</a:t>
+            </a:r>
+          </a:p>
+          <a:p>
+            <a:pPr marL="0" indent="0">
+              <a:buNone/>
+            </a:pPr>
+            <a:r>
+              <a:rPr lang="pt-BR" dirty="0" smtClean="0"/>
+              <a:t>&gt; </a:t>
+            </a:r>
+            <a:r>
+              <a:rPr lang="pt-BR" dirty="0" err="1" smtClean="0"/>
+              <a:t>df$nomeDaColuna</a:t>
+            </a:r>
+            <a:r>
+              <a:rPr lang="pt-BR" dirty="0" smtClean="0"/>
+              <a:t>[</a:t>
+            </a:r>
+            <a:r>
+              <a:rPr lang="pt-BR" dirty="0" err="1" smtClean="0"/>
+              <a:t>df$nomeDaColuna</a:t>
+            </a:r>
+            <a:r>
+              <a:rPr lang="pt-BR" dirty="0" smtClean="0"/>
+              <a:t>,] </a:t>
+            </a:r>
+          </a:p>
+          <a:p>
+            <a:pPr marL="0" indent="0">
+              <a:buNone/>
+            </a:pPr>
+            <a:r>
+              <a:rPr lang="pt-BR" dirty="0" smtClean="0"/>
+              <a:t># E atribuir valores ao resultado</a:t>
+            </a:r>
+          </a:p>
+          <a:p>
+            <a:pPr marL="0" indent="0">
+              <a:buNone/>
+            </a:pPr>
+            <a:r>
+              <a:rPr lang="pt-BR" dirty="0" smtClean="0"/>
+              <a:t>&gt; </a:t>
+            </a:r>
+            <a:r>
+              <a:rPr lang="pt-BR" dirty="0" err="1" smtClean="0"/>
+              <a:t>df$nomeDaColuna</a:t>
+            </a:r>
+            <a:r>
+              <a:rPr lang="pt-BR" dirty="0" smtClean="0"/>
+              <a:t>[</a:t>
+            </a:r>
+            <a:r>
+              <a:rPr lang="pt-BR" dirty="0" err="1" smtClean="0"/>
+              <a:t>df$nomeDaColuna</a:t>
+            </a:r>
+            <a:r>
+              <a:rPr lang="pt-BR" dirty="0"/>
+              <a:t>,] </a:t>
+            </a:r>
+            <a:r>
+              <a:rPr lang="pt-BR" dirty="0" smtClean="0"/>
+              <a:t> &lt;- </a:t>
+            </a:r>
+            <a:r>
+              <a:rPr lang="pt-BR" dirty="0" err="1" smtClean="0"/>
+              <a:t>novoValor</a:t>
+            </a:r>
+            <a:endParaRPr lang="pt-BR" dirty="0" smtClean="0"/>
+          </a:p>
+          <a:p>
+            <a:pPr marL="0" indent="0">
+              <a:buNone/>
+            </a:pPr>
+            <a:r>
+              <a:rPr lang="pt-BR" dirty="0" smtClean="0"/>
+              <a:t># Pode utilizar resultado de funções</a:t>
+            </a:r>
+          </a:p>
+          <a:p>
+            <a:pPr marL="0" indent="0">
+              <a:buNone/>
+            </a:pPr>
+            <a:r>
+              <a:rPr lang="pt-BR" dirty="0" err="1"/>
+              <a:t>df$nomeDaColuna</a:t>
+            </a:r>
+            <a:r>
+              <a:rPr lang="pt-BR" dirty="0"/>
+              <a:t>[</a:t>
+            </a:r>
+            <a:r>
+              <a:rPr lang="pt-BR" dirty="0" err="1"/>
+              <a:t>df$nomeDaColuna</a:t>
+            </a:r>
+            <a:r>
+              <a:rPr lang="pt-BR" dirty="0"/>
+              <a:t>,]  &lt;- </a:t>
+            </a:r>
+            <a:r>
+              <a:rPr lang="pt-BR" dirty="0" err="1" smtClean="0"/>
+              <a:t>sqrt</a:t>
+            </a:r>
+            <a:r>
+              <a:rPr lang="pt-BR" dirty="0" smtClean="0"/>
+              <a:t>(</a:t>
+            </a:r>
+            <a:r>
+              <a:rPr lang="pt-BR" dirty="0" err="1" smtClean="0"/>
+              <a:t>df$nomeDaColuna</a:t>
+            </a:r>
+            <a:r>
+              <a:rPr lang="pt-BR" dirty="0" smtClean="0"/>
+              <a:t>) * </a:t>
+            </a:r>
+            <a:r>
+              <a:rPr lang="pt-BR" dirty="0" err="1" smtClean="0"/>
+              <a:t>pi</a:t>
+            </a:r>
+            <a:endParaRPr lang="pt-BR" dirty="0" smtClean="0"/>
+          </a:p>
+          <a:p>
+            <a:pPr marL="0" indent="0">
+              <a:buNone/>
+            </a:pPr>
+            <a:r>
+              <a:rPr lang="pt-BR" dirty="0" smtClean="0"/>
+              <a:t># Pode utilizar critério para filtrar as linhas</a:t>
+            </a:r>
+          </a:p>
+          <a:p>
+            <a:pPr marL="0" indent="0">
+              <a:buNone/>
+            </a:pPr>
+            <a:r>
+              <a:rPr lang="pt-BR" dirty="0" err="1" smtClean="0"/>
+              <a:t>df</a:t>
+            </a:r>
+            <a:r>
+              <a:rPr lang="pt-BR" dirty="0" smtClean="0"/>
+              <a:t>[</a:t>
+            </a:r>
+            <a:r>
+              <a:rPr lang="pt-BR" dirty="0" err="1" smtClean="0"/>
+              <a:t>df$nomeDaColuna</a:t>
+            </a:r>
+            <a:r>
+              <a:rPr lang="pt-BR" dirty="0" smtClean="0"/>
+              <a:t> </a:t>
+            </a:r>
+            <a:r>
+              <a:rPr lang="pt-BR" dirty="0"/>
+              <a:t>== 2</a:t>
+            </a:r>
+            <a:r>
+              <a:rPr lang="pt-BR" dirty="0" smtClean="0"/>
+              <a:t>,]</a:t>
+            </a:r>
+          </a:p>
+          <a:p>
+            <a:pPr marL="0" indent="0">
+              <a:buNone/>
+            </a:pPr>
+            <a:endParaRPr lang="pt-BR" dirty="0"/>
+          </a:p>
+          <a:p>
+            <a:pPr marL="0" indent="0">
+              <a:buNone/>
+            </a:pPr>
+            <a:endParaRPr lang="pt-BR" dirty="0" smtClean="0"/>
+          </a:p>
+          <a:p>
+            <a:pPr marL="0" indent="0">
+              <a:buNone/>
+            </a:pPr>
+            <a:endParaRPr lang="pt-BR" dirty="0"/>
+          </a:p>
+          <a:p>
+            <a:pPr marL="0" indent="0">
+              <a:buNone/>
+            </a:pPr>
+            <a:endParaRPr lang="pt-BR" dirty="0"/>
+          </a:p>
+        </p:txBody>
+      </p:sp>
+      <p:sp>
+        <p:nvSpPr>
+          <p:cNvPr id="4" name="Título 1"/>
+          <p:cNvSpPr>
+            <a:spLocks noGrp="1"/>
+          </p:cNvSpPr>
+          <p:nvPr>
+            <p:ph type="title"/>
+          </p:nvPr>
+        </p:nvSpPr>
+        <p:spPr>
+          <a:xfrm>
+            <a:off x="1484311" y="422564"/>
+            <a:ext cx="10018713" cy="893618"/>
+          </a:xfrm>
+        </p:spPr>
+        <p:txBody>
+          <a:bodyPr/>
+          <a:lstStyle/>
+          <a:p>
+            <a:r>
+              <a:rPr lang="pt-BR" dirty="0" smtClean="0"/>
+              <a:t>Operações simples com Data Frames</a:t>
+            </a:r>
+            <a:endParaRPr lang="pt-BR" dirty="0"/>
+          </a:p>
+        </p:txBody>
+      </p:sp>
+    </p:spTree>
+    <p:extLst>
+      <p:ext uri="{BB962C8B-B14F-4D97-AF65-F5344CB8AC3E}">
+        <p14:creationId xmlns:p14="http://schemas.microsoft.com/office/powerpoint/2010/main" val="359524258"/>
+      </p:ext>
+    </p:extLst>
+  </p:cSld>
+  <p:clrMapOvr>
+    <a:masterClrMapping/>
+  </p:clrMapOvr>
+</p:sld>
+</file>
+
+<file path=ppt/slides/slide24.xml><?xml version="1.0" encoding="utf-8"?>
 <p:sld xmlns:a="http://schemas.openxmlformats.org/drawingml/2006/main" xmlns:r="http://schemas.openxmlformats.org/officeDocument/2006/relationships" xmlns:p="http://schemas.openxmlformats.org/presentationml/2006/main">
   <p:cSld>
     <p:spTree>
@@ -11765,7 +12603,7 @@
 </p:sld>
 </file>
 
-<file path=ppt/slides/slide22.xml><?xml version="1.0" encoding="utf-8"?>
+<file path=ppt/slides/slide25.xml><?xml version="1.0" encoding="utf-8"?>
 <p:sld xmlns:a="http://schemas.openxmlformats.org/drawingml/2006/main" xmlns:r="http://schemas.openxmlformats.org/officeDocument/2006/relationships" xmlns:p="http://schemas.openxmlformats.org/presentationml/2006/main">
   <p:cSld>
     <p:spTree>
@@ -11854,7 +12692,7 @@
 </p:sld>
 </file>
 
-<file path=ppt/slides/slide23.xml><?xml version="1.0" encoding="utf-8"?>
+<file path=ppt/slides/slide26.xml><?xml version="1.0" encoding="utf-8"?>
 <p:sld xmlns:a="http://schemas.openxmlformats.org/drawingml/2006/main" xmlns:r="http://schemas.openxmlformats.org/officeDocument/2006/relationships" xmlns:p="http://schemas.openxmlformats.org/presentationml/2006/main">
   <p:cSld>
     <p:spTree>
@@ -12252,7 +13090,7 @@
 </p:sld>
 </file>
 
-<file path=ppt/slides/slide24.xml><?xml version="1.0" encoding="utf-8"?>
+<file path=ppt/slides/slide27.xml><?xml version="1.0" encoding="utf-8"?>
 <p:sld xmlns:a="http://schemas.openxmlformats.org/drawingml/2006/main" xmlns:r="http://schemas.openxmlformats.org/officeDocument/2006/relationships" xmlns:p="http://schemas.openxmlformats.org/presentationml/2006/main">
   <p:cSld>
     <p:spTree>
@@ -12371,7 +13209,7 @@
 </p:sld>
 </file>
 
-<file path=ppt/slides/slide25.xml><?xml version="1.0" encoding="utf-8"?>
+<file path=ppt/slides/slide28.xml><?xml version="1.0" encoding="utf-8"?>
 <p:sld xmlns:a="http://schemas.openxmlformats.org/drawingml/2006/main" xmlns:r="http://schemas.openxmlformats.org/officeDocument/2006/relationships" xmlns:p="http://schemas.openxmlformats.org/presentationml/2006/main">
   <p:cSld>
     <p:spTree>
@@ -12610,7 +13448,7 @@
 </p:sld>
 </file>
 
-<file path=ppt/slides/slide26.xml><?xml version="1.0" encoding="utf-8"?>
+<file path=ppt/slides/slide29.xml><?xml version="1.0" encoding="utf-8"?>
 <p:sld xmlns:a="http://schemas.openxmlformats.org/drawingml/2006/main" xmlns:r="http://schemas.openxmlformats.org/officeDocument/2006/relationships" xmlns:p="http://schemas.openxmlformats.org/presentationml/2006/main">
   <p:cSld>
     <p:spTree>

--- a/Apresentacao Linguagem R.pptx
+++ b/Apresentacao Linguagem R.pptx
@@ -6267,7 +6267,7 @@
           <a:lstStyle/>
           <a:p>
             <a:r>
-              <a:rPr lang="en-US" smtClean="0"/>
+              <a:rPr lang="en-US" dirty="0" err="1" smtClean="0"/>
               <a:t>Números</a:t>
             </a:r>
             <a:endParaRPr lang="en-US" dirty="0"/>
@@ -6286,13 +6286,13 @@
         </p:nvSpPr>
         <p:spPr>
           <a:xfrm>
-            <a:off x="1484310" y="1417835"/>
-            <a:ext cx="10333617" cy="4996820"/>
+            <a:off x="1326856" y="1355184"/>
+            <a:ext cx="10333617" cy="1055507"/>
           </a:xfrm>
         </p:spPr>
         <p:txBody>
           <a:bodyPr>
-            <a:normAutofit fontScale="55000" lnSpcReduction="20000"/>
+            <a:normAutofit fontScale="70000" lnSpcReduction="20000"/>
           </a:bodyPr>
           <a:lstStyle/>
           <a:p>
@@ -6300,139 +6300,139 @@
               <a:buNone/>
             </a:pPr>
             <a:r>
-              <a:rPr lang="en-US" dirty="0" err="1" smtClean="0"/>
+              <a:rPr lang="en-US" sz="2900" dirty="0" err="1" smtClean="0"/>
               <a:t>Números</a:t>
             </a:r>
             <a:r>
-              <a:rPr lang="en-US" dirty="0" smtClean="0"/>
-              <a:t> </a:t>
-            </a:r>
-            <a:r>
-              <a:rPr lang="en-US" dirty="0" err="1" smtClean="0"/>
+              <a:rPr lang="en-US" sz="2900" dirty="0" smtClean="0"/>
+              <a:t> </a:t>
+            </a:r>
+            <a:r>
+              <a:rPr lang="en-US" sz="2900" dirty="0" err="1" smtClean="0"/>
               <a:t>em</a:t>
             </a:r>
             <a:r>
-              <a:rPr lang="en-US" dirty="0" smtClean="0"/>
+              <a:rPr lang="en-US" sz="2900" dirty="0" smtClean="0"/>
               <a:t> R </a:t>
             </a:r>
             <a:r>
-              <a:rPr lang="en-US" dirty="0" err="1" smtClean="0"/>
+              <a:rPr lang="en-US" sz="2900" dirty="0" err="1" smtClean="0"/>
               <a:t>são</a:t>
             </a:r>
             <a:r>
-              <a:rPr lang="en-US" dirty="0" smtClean="0"/>
-              <a:t> </a:t>
-            </a:r>
-            <a:r>
-              <a:rPr lang="en-US" dirty="0" err="1" smtClean="0"/>
+              <a:rPr lang="en-US" sz="2900" dirty="0" smtClean="0"/>
+              <a:t> </a:t>
+            </a:r>
+            <a:r>
+              <a:rPr lang="en-US" sz="2900" dirty="0" err="1" smtClean="0"/>
               <a:t>tratados</a:t>
             </a:r>
             <a:r>
-              <a:rPr lang="en-US" dirty="0" smtClean="0"/>
-              <a:t> </a:t>
-            </a:r>
-            <a:r>
-              <a:rPr lang="en-US" dirty="0" err="1" smtClean="0"/>
+              <a:rPr lang="en-US" sz="2900" dirty="0" smtClean="0"/>
+              <a:t> </a:t>
+            </a:r>
+            <a:r>
+              <a:rPr lang="en-US" sz="2900" dirty="0" err="1" smtClean="0"/>
               <a:t>como</a:t>
             </a:r>
             <a:r>
-              <a:rPr lang="en-US" dirty="0" smtClean="0"/>
-              <a:t> </a:t>
-            </a:r>
-            <a:r>
-              <a:rPr lang="en-US" dirty="0" err="1" smtClean="0"/>
+              <a:rPr lang="en-US" sz="2900" dirty="0" smtClean="0"/>
+              <a:t> </a:t>
+            </a:r>
+            <a:r>
+              <a:rPr lang="en-US" sz="2900" dirty="0" err="1" smtClean="0"/>
               <a:t>objetos</a:t>
             </a:r>
             <a:r>
-              <a:rPr lang="en-US" dirty="0" smtClean="0"/>
-              <a:t> </a:t>
-            </a:r>
-            <a:r>
-              <a:rPr lang="en-US" dirty="0" err="1" smtClean="0"/>
+              <a:rPr lang="en-US" sz="2900" dirty="0" smtClean="0"/>
+              <a:t> </a:t>
+            </a:r>
+            <a:r>
+              <a:rPr lang="en-US" sz="2900" dirty="0" err="1" smtClean="0"/>
               <a:t>númericos</a:t>
             </a:r>
             <a:r>
-              <a:rPr lang="en-US" dirty="0" smtClean="0"/>
+              <a:rPr lang="en-US" sz="2900" dirty="0" smtClean="0"/>
               <a:t>. Se </a:t>
             </a:r>
             <a:r>
-              <a:rPr lang="en-US" dirty="0" err="1" smtClean="0"/>
+              <a:rPr lang="en-US" sz="2900" dirty="0" err="1" smtClean="0"/>
               <a:t>você</a:t>
             </a:r>
             <a:r>
-              <a:rPr lang="en-US" dirty="0" smtClean="0"/>
-              <a:t> </a:t>
-            </a:r>
-            <a:r>
-              <a:rPr lang="en-US" dirty="0" err="1" smtClean="0"/>
+              <a:rPr lang="en-US" sz="2900" dirty="0" smtClean="0"/>
+              <a:t> </a:t>
+            </a:r>
+            <a:r>
+              <a:rPr lang="en-US" sz="2900" dirty="0" err="1" smtClean="0"/>
               <a:t>quer</a:t>
             </a:r>
             <a:r>
-              <a:rPr lang="en-US" dirty="0" smtClean="0"/>
+              <a:rPr lang="en-US" sz="2900" dirty="0" smtClean="0"/>
               <a:t> um </a:t>
             </a:r>
             <a:r>
-              <a:rPr lang="en-US" dirty="0" err="1" smtClean="0"/>
+              <a:rPr lang="en-US" sz="2900" dirty="0" err="1" smtClean="0"/>
               <a:t>inteiro</a:t>
             </a:r>
             <a:r>
-              <a:rPr lang="en-US" dirty="0" smtClean="0"/>
-              <a:t> </a:t>
-            </a:r>
-            <a:r>
-              <a:rPr lang="en-US" dirty="0" err="1" smtClean="0"/>
+              <a:rPr lang="en-US" sz="2900" dirty="0" smtClean="0"/>
+              <a:t> </a:t>
+            </a:r>
+            <a:r>
+              <a:rPr lang="en-US" sz="2900" dirty="0" err="1" smtClean="0"/>
               <a:t>você</a:t>
             </a:r>
             <a:r>
-              <a:rPr lang="en-US" dirty="0" smtClean="0"/>
+              <a:rPr lang="en-US" sz="2900" dirty="0" smtClean="0"/>
               <a:t> tem que </a:t>
             </a:r>
             <a:r>
-              <a:rPr lang="en-US" dirty="0" err="1" smtClean="0"/>
+              <a:rPr lang="en-US" sz="2900" dirty="0" err="1" smtClean="0"/>
               <a:t>especificar</a:t>
             </a:r>
             <a:r>
-              <a:rPr lang="en-US" dirty="0" smtClean="0"/>
+              <a:rPr lang="en-US" sz="2900" dirty="0" smtClean="0"/>
               <a:t> com o </a:t>
             </a:r>
             <a:r>
-              <a:rPr lang="en-US" dirty="0" err="1" smtClean="0"/>
+              <a:rPr lang="en-US" sz="2900" dirty="0" err="1" smtClean="0"/>
               <a:t>sufixo</a:t>
             </a:r>
             <a:r>
-              <a:rPr lang="en-US" dirty="0" smtClean="0"/>
+              <a:rPr lang="en-US" sz="2900" dirty="0" smtClean="0"/>
               <a:t> L </a:t>
             </a:r>
             <a:r>
-              <a:rPr lang="en-US" dirty="0" err="1" smtClean="0"/>
+              <a:rPr lang="en-US" sz="2900" dirty="0" err="1" smtClean="0"/>
               <a:t>ou</a:t>
             </a:r>
             <a:r>
-              <a:rPr lang="en-US" dirty="0" smtClean="0"/>
-              <a:t> </a:t>
-            </a:r>
-            <a:r>
-              <a:rPr lang="en-US" dirty="0" err="1" smtClean="0"/>
+              <a:rPr lang="en-US" sz="2900" dirty="0" smtClean="0"/>
+              <a:t> </a:t>
+            </a:r>
+            <a:r>
+              <a:rPr lang="en-US" sz="2900" dirty="0" err="1" smtClean="0"/>
               <a:t>usar</a:t>
             </a:r>
             <a:r>
-              <a:rPr lang="en-US" dirty="0" smtClean="0"/>
+              <a:rPr lang="en-US" sz="2900" dirty="0" smtClean="0"/>
               <a:t> a </a:t>
             </a:r>
             <a:r>
-              <a:rPr lang="en-US" dirty="0" err="1" smtClean="0"/>
+              <a:rPr lang="en-US" sz="2900" dirty="0" err="1" smtClean="0"/>
               <a:t>função</a:t>
             </a:r>
             <a:r>
-              <a:rPr lang="en-US" dirty="0" smtClean="0"/>
-              <a:t> </a:t>
-            </a:r>
-            <a:r>
-              <a:rPr lang="en-US" dirty="0" err="1" smtClean="0"/>
+              <a:rPr lang="en-US" sz="2900" dirty="0" smtClean="0"/>
+              <a:t> </a:t>
+            </a:r>
+            <a:r>
+              <a:rPr lang="en-US" sz="2900" dirty="0" err="1" smtClean="0"/>
               <a:t>as.integer</a:t>
             </a:r>
             <a:r>
-              <a:rPr lang="en-US" dirty="0" smtClean="0"/>
+              <a:rPr lang="en-US" sz="2900" dirty="0" smtClean="0"/>
               <a:t>.</a:t>
             </a:r>
           </a:p>
@@ -6441,323 +6441,65 @@
               <a:buNone/>
             </a:pPr>
             <a:r>
-              <a:rPr lang="en-US" dirty="0" smtClean="0"/>
+              <a:rPr lang="en-US" sz="2900" dirty="0" smtClean="0"/>
               <a:t>Se </a:t>
             </a:r>
             <a:r>
-              <a:rPr lang="en-US" dirty="0" err="1" smtClean="0"/>
-              <a:t>voc</a:t>
-            </a:r>
-            <a:r>
-              <a:rPr lang="en-US" dirty="0" err="1" smtClean="0"/>
-              <a:t>ê</a:t>
-            </a:r>
-            <a:r>
-              <a:rPr lang="en-US" dirty="0" smtClean="0"/>
-              <a:t> </a:t>
-            </a:r>
-            <a:r>
-              <a:rPr lang="en-US" dirty="0" err="1" smtClean="0"/>
+              <a:rPr lang="en-US" sz="2900" dirty="0" err="1" smtClean="0"/>
+              <a:t>você</a:t>
+            </a:r>
+            <a:r>
+              <a:rPr lang="en-US" sz="2900" dirty="0" smtClean="0"/>
+              <a:t> </a:t>
+            </a:r>
+            <a:r>
+              <a:rPr lang="en-US" sz="2900" dirty="0" err="1" smtClean="0"/>
               <a:t>entrar</a:t>
             </a:r>
             <a:r>
-              <a:rPr lang="en-US" dirty="0" smtClean="0"/>
+              <a:rPr lang="en-US" sz="2900" dirty="0" smtClean="0"/>
               <a:t> com 1 </a:t>
             </a:r>
             <a:r>
-              <a:rPr lang="en-US" dirty="0" err="1" smtClean="0"/>
+              <a:rPr lang="en-US" sz="2900" dirty="0" err="1" smtClean="0"/>
               <a:t>ele</a:t>
             </a:r>
             <a:r>
-              <a:rPr lang="en-US" dirty="0" smtClean="0"/>
+              <a:rPr lang="en-US" sz="2900" dirty="0" smtClean="0"/>
               <a:t> o R </a:t>
             </a:r>
             <a:r>
-              <a:rPr lang="en-US" dirty="0" err="1" smtClean="0"/>
+              <a:rPr lang="en-US" sz="2900" dirty="0" err="1" smtClean="0"/>
               <a:t>retorna</a:t>
             </a:r>
             <a:r>
-              <a:rPr lang="en-US" dirty="0" smtClean="0"/>
+              <a:rPr lang="en-US" sz="2900" dirty="0" smtClean="0"/>
               <a:t> à </a:t>
             </a:r>
             <a:r>
-              <a:rPr lang="en-US" dirty="0" err="1" smtClean="0"/>
+              <a:rPr lang="en-US" sz="2900" dirty="0" err="1" smtClean="0"/>
               <a:t>você</a:t>
             </a:r>
             <a:r>
-              <a:rPr lang="en-US" dirty="0" smtClean="0"/>
+              <a:rPr lang="en-US" sz="2900" dirty="0" smtClean="0"/>
               <a:t> um </a:t>
             </a:r>
             <a:r>
-              <a:rPr lang="en-US" dirty="0" err="1" smtClean="0"/>
+              <a:rPr lang="en-US" sz="2900" dirty="0" err="1" smtClean="0"/>
               <a:t>objeto</a:t>
             </a:r>
             <a:r>
-              <a:rPr lang="en-US" dirty="0" smtClean="0"/>
-              <a:t> </a:t>
-            </a:r>
-            <a:r>
-              <a:rPr lang="en-US" dirty="0" err="1" smtClean="0"/>
+              <a:rPr lang="en-US" sz="2900" dirty="0" smtClean="0"/>
+              <a:t> </a:t>
+            </a:r>
+            <a:r>
+              <a:rPr lang="en-US" sz="2900" dirty="0" err="1" smtClean="0"/>
               <a:t>númerico</a:t>
             </a:r>
             <a:r>
-              <a:rPr lang="en-US" dirty="0" smtClean="0"/>
+              <a:rPr lang="en-US" sz="2900" dirty="0" smtClean="0"/>
               <a:t>.  </a:t>
             </a:r>
-          </a:p>
-          <a:p>
-            <a:pPr marL="0" indent="0">
-              <a:buNone/>
-            </a:pPr>
-            <a:r>
-              <a:rPr lang="en-US" dirty="0" smtClean="0"/>
-              <a:t>&gt; </a:t>
-            </a:r>
-            <a:r>
-              <a:rPr lang="en-US" dirty="0" err="1" smtClean="0"/>
-              <a:t>str</a:t>
-            </a:r>
-            <a:r>
-              <a:rPr lang="en-US" dirty="0" smtClean="0"/>
-              <a:t>(1)</a:t>
-            </a:r>
-          </a:p>
-          <a:p>
-            <a:pPr marL="0" indent="0">
-              <a:buNone/>
-            </a:pPr>
-            <a:r>
-              <a:rPr lang="en-US" dirty="0" err="1" smtClean="0"/>
-              <a:t>num</a:t>
-            </a:r>
-            <a:r>
-              <a:rPr lang="en-US" dirty="0" smtClean="0"/>
-              <a:t> 1</a:t>
-            </a:r>
-          </a:p>
-          <a:p>
-            <a:pPr marL="0" indent="0">
-              <a:buNone/>
-            </a:pPr>
-            <a:r>
-              <a:rPr lang="en-US" dirty="0" smtClean="0"/>
-              <a:t>&gt; </a:t>
-            </a:r>
-            <a:r>
-              <a:rPr lang="en-US" dirty="0" err="1" smtClean="0"/>
-              <a:t>str</a:t>
-            </a:r>
-            <a:r>
-              <a:rPr lang="en-US" dirty="0" smtClean="0"/>
-              <a:t>(1L)</a:t>
-            </a:r>
-          </a:p>
-          <a:p>
-            <a:pPr marL="0" indent="0">
-              <a:buNone/>
-            </a:pPr>
-            <a:r>
-              <a:rPr lang="en-US" dirty="0" err="1" smtClean="0"/>
-              <a:t>int</a:t>
-            </a:r>
-            <a:r>
-              <a:rPr lang="en-US" dirty="0" smtClean="0"/>
-              <a:t> 1</a:t>
-            </a:r>
-          </a:p>
-          <a:p>
-            <a:pPr marL="0" indent="0">
-              <a:buNone/>
-            </a:pPr>
-            <a:r>
-              <a:rPr lang="en-US" dirty="0" smtClean="0"/>
-              <a:t>&gt; </a:t>
-            </a:r>
-            <a:r>
-              <a:rPr lang="en-US" dirty="0" err="1" smtClean="0"/>
-              <a:t>is.integer</a:t>
-            </a:r>
-            <a:r>
-              <a:rPr lang="en-US" dirty="0" smtClean="0"/>
-              <a:t>(1)</a:t>
-            </a:r>
-          </a:p>
-          <a:p>
-            <a:pPr marL="0" indent="0">
-              <a:buNone/>
-            </a:pPr>
-            <a:r>
-              <a:rPr lang="en-US" dirty="0" smtClean="0"/>
-              <a:t>FALSE</a:t>
-            </a:r>
-          </a:p>
-          <a:p>
-            <a:pPr marL="0" indent="0">
-              <a:buNone/>
-            </a:pPr>
-            <a:r>
-              <a:rPr lang="en-US" dirty="0" smtClean="0"/>
-              <a:t>&gt; </a:t>
-            </a:r>
-            <a:r>
-              <a:rPr lang="en-US" dirty="0" err="1" smtClean="0"/>
-              <a:t>is.integer</a:t>
-            </a:r>
-            <a:r>
-              <a:rPr lang="en-US" dirty="0" smtClean="0"/>
-              <a:t>(</a:t>
-            </a:r>
-            <a:r>
-              <a:rPr lang="en-US" dirty="0" err="1" smtClean="0"/>
-              <a:t>as.integer</a:t>
-            </a:r>
-            <a:r>
-              <a:rPr lang="en-US" dirty="0" smtClean="0"/>
-              <a:t>(1))</a:t>
-            </a:r>
-          </a:p>
-          <a:p>
-            <a:pPr marL="0" indent="0">
-              <a:buNone/>
-            </a:pPr>
-            <a:r>
-              <a:rPr lang="en-US" dirty="0" smtClean="0"/>
-              <a:t>TRUE</a:t>
-            </a:r>
-            <a:endParaRPr lang="en-US" dirty="0"/>
-          </a:p>
-          <a:p>
-            <a:pPr marL="0" indent="0">
-              <a:buNone/>
-            </a:pPr>
-            <a:r>
-              <a:rPr lang="en-US" dirty="0" smtClean="0"/>
-              <a:t>E </a:t>
-            </a:r>
-            <a:r>
-              <a:rPr lang="en-US" dirty="0" err="1" smtClean="0"/>
-              <a:t>existe</a:t>
-            </a:r>
-            <a:r>
-              <a:rPr lang="en-US" dirty="0" smtClean="0"/>
-              <a:t> o </a:t>
-            </a:r>
-            <a:r>
-              <a:rPr lang="en-US" dirty="0" err="1" smtClean="0"/>
-              <a:t>número</a:t>
-            </a:r>
-            <a:r>
-              <a:rPr lang="en-US" dirty="0" smtClean="0"/>
-              <a:t> especial </a:t>
-            </a:r>
-            <a:r>
-              <a:rPr lang="en-US" dirty="0" err="1" smtClean="0"/>
-              <a:t>Inf</a:t>
-            </a:r>
-            <a:r>
-              <a:rPr lang="en-US" dirty="0" smtClean="0"/>
-              <a:t> que </a:t>
-            </a:r>
-            <a:r>
-              <a:rPr lang="en-US" dirty="0" err="1" smtClean="0"/>
-              <a:t>representa</a:t>
-            </a:r>
-            <a:r>
-              <a:rPr lang="en-US" dirty="0" smtClean="0"/>
-              <a:t> o </a:t>
-            </a:r>
-            <a:r>
-              <a:rPr lang="en-US" dirty="0" err="1" smtClean="0"/>
-              <a:t>infinito</a:t>
-            </a:r>
-            <a:r>
-              <a:rPr lang="en-US" dirty="0" smtClean="0"/>
-              <a:t>. </a:t>
-            </a:r>
-            <a:r>
-              <a:rPr lang="en-US" dirty="0" err="1" smtClean="0"/>
-              <a:t>Ele</a:t>
-            </a:r>
-            <a:r>
-              <a:rPr lang="en-US" dirty="0" smtClean="0"/>
-              <a:t> </a:t>
-            </a:r>
-            <a:r>
-              <a:rPr lang="en-US" dirty="0" err="1" smtClean="0"/>
-              <a:t>pode</a:t>
-            </a:r>
-            <a:r>
-              <a:rPr lang="en-US" dirty="0" smtClean="0"/>
-              <a:t> </a:t>
-            </a:r>
-            <a:r>
-              <a:rPr lang="en-US" dirty="0" err="1" smtClean="0"/>
-              <a:t>ser</a:t>
-            </a:r>
-            <a:r>
-              <a:rPr lang="en-US" dirty="0" smtClean="0"/>
-              <a:t> </a:t>
-            </a:r>
-            <a:r>
-              <a:rPr lang="en-US" dirty="0" err="1" smtClean="0"/>
-              <a:t>utilizados</a:t>
-            </a:r>
-            <a:r>
-              <a:rPr lang="en-US" dirty="0" smtClean="0"/>
-              <a:t> </a:t>
-            </a:r>
-            <a:r>
-              <a:rPr lang="en-US" dirty="0" err="1" smtClean="0"/>
-              <a:t>em</a:t>
-            </a:r>
-            <a:r>
-              <a:rPr lang="en-US" dirty="0" smtClean="0"/>
-              <a:t> </a:t>
-            </a:r>
-            <a:r>
-              <a:rPr lang="en-US" dirty="0" err="1" smtClean="0"/>
-              <a:t>operações</a:t>
-            </a:r>
-            <a:r>
-              <a:rPr lang="en-US" dirty="0" smtClean="0"/>
-              <a:t>.</a:t>
-            </a:r>
-          </a:p>
-          <a:p>
-            <a:pPr marL="0" indent="0">
-              <a:buNone/>
-            </a:pPr>
-            <a:r>
-              <a:rPr lang="en-US" dirty="0" smtClean="0"/>
-              <a:t>Ex:</a:t>
-            </a:r>
-          </a:p>
-          <a:p>
-            <a:pPr marL="0" indent="0">
-              <a:buNone/>
-            </a:pPr>
-            <a:r>
-              <a:rPr lang="en-US" dirty="0" smtClean="0"/>
-              <a:t>&gt; </a:t>
-            </a:r>
-            <a:r>
-              <a:rPr lang="en-US" dirty="0" err="1" smtClean="0"/>
-              <a:t>Inf</a:t>
-            </a:r>
-            <a:r>
-              <a:rPr lang="en-US" dirty="0" smtClean="0"/>
-              <a:t> * 10</a:t>
-            </a:r>
-          </a:p>
-          <a:p>
-            <a:pPr marL="0" indent="0">
-              <a:buNone/>
-            </a:pPr>
-            <a:r>
-              <a:rPr lang="en-US" dirty="0" err="1" smtClean="0"/>
-              <a:t>Inf</a:t>
-            </a:r>
-            <a:endParaRPr lang="en-US" dirty="0" smtClean="0"/>
           </a:p>
           <a:p>
             <a:pPr marL="0" indent="0">
@@ -6765,78 +6507,344 @@
             </a:pPr>
             <a:endParaRPr lang="en-US" dirty="0"/>
           </a:p>
-          <a:p>
-            <a:pPr marL="0" indent="0">
-              <a:buNone/>
-            </a:pPr>
-            <a:r>
-              <a:rPr lang="en-US" dirty="0" smtClean="0"/>
+        </p:txBody>
+      </p:sp>
+      <p:sp>
+        <p:nvSpPr>
+          <p:cNvPr id="4" name="CaixaDeTexto 3"/>
+          <p:cNvSpPr txBox="1"/>
+          <p:nvPr/>
+        </p:nvSpPr>
+        <p:spPr>
+          <a:xfrm>
+            <a:off x="1717964" y="2272145"/>
+            <a:ext cx="9042860" cy="3693319"/>
+          </a:xfrm>
+          <a:prstGeom prst="rect">
+            <a:avLst/>
+          </a:prstGeom>
+          <a:noFill/>
+        </p:spPr>
+        <p:txBody>
+          <a:bodyPr wrap="none" rtlCol="0">
+            <a:spAutoFit/>
+          </a:bodyPr>
+          <a:lstStyle/>
+          <a:p>
+            <a:r>
+              <a:rPr lang="en-US" dirty="0"/>
+              <a:t>&gt; </a:t>
+            </a:r>
+            <a:r>
+              <a:rPr lang="en-US" dirty="0" err="1"/>
+              <a:t>str</a:t>
+            </a:r>
+            <a:r>
+              <a:rPr lang="en-US" dirty="0"/>
+              <a:t>(1)</a:t>
+            </a:r>
+          </a:p>
+          <a:p>
+            <a:r>
+              <a:rPr lang="en-US" dirty="0" err="1"/>
+              <a:t>num</a:t>
+            </a:r>
+            <a:r>
+              <a:rPr lang="en-US" dirty="0"/>
+              <a:t> 1</a:t>
+            </a:r>
+          </a:p>
+          <a:p>
+            <a:r>
+              <a:rPr lang="en-US" dirty="0"/>
+              <a:t>&gt; </a:t>
+            </a:r>
+            <a:r>
+              <a:rPr lang="en-US" dirty="0" err="1"/>
+              <a:t>str</a:t>
+            </a:r>
+            <a:r>
+              <a:rPr lang="en-US" dirty="0"/>
+              <a:t>(1L)</a:t>
+            </a:r>
+          </a:p>
+          <a:p>
+            <a:r>
+              <a:rPr lang="en-US" dirty="0" err="1"/>
+              <a:t>int</a:t>
+            </a:r>
+            <a:r>
+              <a:rPr lang="en-US" dirty="0"/>
+              <a:t> 1</a:t>
+            </a:r>
+          </a:p>
+          <a:p>
+            <a:r>
+              <a:rPr lang="en-US" dirty="0"/>
+              <a:t>&gt; </a:t>
+            </a:r>
+            <a:r>
+              <a:rPr lang="en-US" dirty="0" err="1"/>
+              <a:t>is.integer</a:t>
+            </a:r>
+            <a:r>
+              <a:rPr lang="en-US" dirty="0"/>
+              <a:t>(1)</a:t>
+            </a:r>
+          </a:p>
+          <a:p>
+            <a:r>
+              <a:rPr lang="en-US" dirty="0"/>
+              <a:t>FALSE</a:t>
+            </a:r>
+          </a:p>
+          <a:p>
+            <a:r>
+              <a:rPr lang="en-US" dirty="0"/>
+              <a:t>&gt; </a:t>
+            </a:r>
+            <a:r>
+              <a:rPr lang="en-US" dirty="0" err="1"/>
+              <a:t>is.integer</a:t>
+            </a:r>
+            <a:r>
+              <a:rPr lang="en-US" dirty="0"/>
+              <a:t>(</a:t>
+            </a:r>
+            <a:r>
+              <a:rPr lang="en-US" dirty="0" err="1"/>
+              <a:t>as.integer</a:t>
+            </a:r>
+            <a:r>
+              <a:rPr lang="en-US" dirty="0"/>
+              <a:t>(1))</a:t>
+            </a:r>
+          </a:p>
+          <a:p>
+            <a:r>
+              <a:rPr lang="en-US" dirty="0"/>
+              <a:t>TRUE</a:t>
+            </a:r>
+          </a:p>
+          <a:p>
+            <a:r>
+              <a:rPr lang="en-US" dirty="0"/>
+              <a:t>E </a:t>
+            </a:r>
+            <a:r>
+              <a:rPr lang="en-US" dirty="0" err="1"/>
+              <a:t>existe</a:t>
+            </a:r>
+            <a:r>
+              <a:rPr lang="en-US" dirty="0"/>
+              <a:t> o </a:t>
+            </a:r>
+            <a:r>
+              <a:rPr lang="en-US" dirty="0" err="1"/>
+              <a:t>número</a:t>
+            </a:r>
+            <a:r>
+              <a:rPr lang="en-US" dirty="0"/>
+              <a:t> especial </a:t>
+            </a:r>
+            <a:r>
+              <a:rPr lang="en-US" dirty="0" err="1"/>
+              <a:t>Inf</a:t>
+            </a:r>
+            <a:r>
+              <a:rPr lang="en-US" dirty="0"/>
+              <a:t> que </a:t>
+            </a:r>
+            <a:r>
+              <a:rPr lang="en-US" dirty="0" err="1"/>
+              <a:t>representa</a:t>
+            </a:r>
+            <a:r>
+              <a:rPr lang="en-US" dirty="0"/>
+              <a:t> o </a:t>
+            </a:r>
+            <a:r>
+              <a:rPr lang="en-US" dirty="0" err="1"/>
+              <a:t>infinito</a:t>
+            </a:r>
+            <a:r>
+              <a:rPr lang="en-US" dirty="0"/>
+              <a:t>. </a:t>
+            </a:r>
+            <a:r>
+              <a:rPr lang="en-US" dirty="0" err="1"/>
+              <a:t>Ele</a:t>
+            </a:r>
+            <a:r>
+              <a:rPr lang="en-US" dirty="0"/>
+              <a:t> </a:t>
+            </a:r>
+            <a:r>
+              <a:rPr lang="en-US" dirty="0" err="1"/>
+              <a:t>pode</a:t>
+            </a:r>
+            <a:r>
+              <a:rPr lang="en-US" dirty="0"/>
+              <a:t> </a:t>
+            </a:r>
+            <a:r>
+              <a:rPr lang="en-US" dirty="0" err="1"/>
+              <a:t>ser</a:t>
+            </a:r>
+            <a:r>
+              <a:rPr lang="en-US" dirty="0"/>
+              <a:t> </a:t>
+            </a:r>
+            <a:r>
+              <a:rPr lang="en-US" dirty="0" err="1"/>
+              <a:t>utilizados</a:t>
+            </a:r>
+            <a:r>
+              <a:rPr lang="en-US" dirty="0"/>
+              <a:t> </a:t>
+            </a:r>
+            <a:r>
+              <a:rPr lang="en-US" dirty="0" err="1"/>
+              <a:t>em</a:t>
+            </a:r>
+            <a:r>
+              <a:rPr lang="en-US" dirty="0"/>
+              <a:t> </a:t>
+            </a:r>
+            <a:r>
+              <a:rPr lang="en-US" dirty="0" err="1"/>
+              <a:t>operações</a:t>
+            </a:r>
+            <a:r>
+              <a:rPr lang="en-US" dirty="0"/>
+              <a:t>.</a:t>
+            </a:r>
+          </a:p>
+          <a:p>
+            <a:r>
+              <a:rPr lang="en-US" dirty="0"/>
+              <a:t>Ex:</a:t>
+            </a:r>
+          </a:p>
+          <a:p>
+            <a:r>
+              <a:rPr lang="en-US" dirty="0"/>
+              <a:t>&gt; </a:t>
+            </a:r>
+            <a:r>
+              <a:rPr lang="en-US" dirty="0" err="1"/>
+              <a:t>Inf</a:t>
+            </a:r>
+            <a:r>
+              <a:rPr lang="en-US" dirty="0"/>
+              <a:t> * 10</a:t>
+            </a:r>
+          </a:p>
+          <a:p>
+            <a:r>
+              <a:rPr lang="en-US" dirty="0" err="1"/>
+              <a:t>Inf</a:t>
+            </a:r>
+            <a:endParaRPr lang="en-US" dirty="0"/>
+          </a:p>
+          <a:p>
+            <a:endParaRPr lang="pt-BR" dirty="0"/>
+          </a:p>
+        </p:txBody>
+      </p:sp>
+      <p:sp>
+        <p:nvSpPr>
+          <p:cNvPr id="5" name="CaixaDeTexto 4"/>
+          <p:cNvSpPr txBox="1"/>
+          <p:nvPr/>
+        </p:nvSpPr>
+        <p:spPr>
+          <a:xfrm>
+            <a:off x="1542906" y="5934670"/>
+            <a:ext cx="10117567" cy="923330"/>
+          </a:xfrm>
+          <a:prstGeom prst="rect">
+            <a:avLst/>
+          </a:prstGeom>
+          <a:noFill/>
+        </p:spPr>
+        <p:txBody>
+          <a:bodyPr wrap="square" rtlCol="0">
+            <a:spAutoFit/>
+          </a:bodyPr>
+          <a:lstStyle/>
+          <a:p>
+            <a:r>
+              <a:rPr lang="en-US" dirty="0"/>
               <a:t>Para </a:t>
             </a:r>
             <a:r>
-              <a:rPr lang="en-US" dirty="0" err="1" smtClean="0"/>
+              <a:rPr lang="en-US" dirty="0" err="1"/>
               <a:t>arredondamento</a:t>
             </a:r>
             <a:r>
-              <a:rPr lang="en-US" dirty="0" smtClean="0"/>
-              <a:t> </a:t>
-            </a:r>
-            <a:r>
-              <a:rPr lang="en-US" dirty="0" err="1" smtClean="0"/>
+              <a:rPr lang="en-US" dirty="0"/>
+              <a:t> </a:t>
+            </a:r>
+            <a:r>
+              <a:rPr lang="en-US" dirty="0" err="1"/>
               <a:t>temos</a:t>
             </a:r>
             <a:r>
-              <a:rPr lang="en-US" dirty="0" smtClean="0"/>
+              <a:rPr lang="en-US" dirty="0"/>
               <a:t> as </a:t>
             </a:r>
             <a:r>
-              <a:rPr lang="en-US" dirty="0" err="1" smtClean="0"/>
+              <a:rPr lang="en-US" dirty="0" err="1"/>
               <a:t>funções</a:t>
             </a:r>
             <a:r>
-              <a:rPr lang="en-US" dirty="0" smtClean="0"/>
+              <a:rPr lang="en-US" dirty="0"/>
               <a:t>: round , floor, ceiling e </a:t>
             </a:r>
             <a:r>
-              <a:rPr lang="en-US" dirty="0" err="1" smtClean="0"/>
+              <a:rPr lang="en-US" dirty="0" err="1"/>
               <a:t>trunc</a:t>
             </a:r>
             <a:r>
-              <a:rPr lang="en-US" dirty="0" smtClean="0"/>
+              <a:rPr lang="en-US" dirty="0"/>
               <a:t>. </a:t>
             </a:r>
             <a:r>
-              <a:rPr lang="en-US" dirty="0" err="1" smtClean="0"/>
+              <a:rPr lang="en-US" dirty="0" err="1"/>
               <a:t>Digite</a:t>
             </a:r>
             <a:r>
-              <a:rPr lang="en-US" dirty="0" smtClean="0"/>
+              <a:rPr lang="en-US" dirty="0"/>
               <a:t> : ?round no console para </a:t>
             </a:r>
             <a:r>
-              <a:rPr lang="en-US" dirty="0" err="1" smtClean="0"/>
+              <a:rPr lang="en-US" dirty="0" err="1"/>
               <a:t>ver</a:t>
             </a:r>
             <a:r>
-              <a:rPr lang="en-US" dirty="0" smtClean="0"/>
-              <a:t> </a:t>
-            </a:r>
-            <a:r>
-              <a:rPr lang="en-US" dirty="0" err="1" smtClean="0"/>
+              <a:rPr lang="en-US" dirty="0"/>
+              <a:t> </a:t>
+            </a:r>
+            <a:r>
+              <a:rPr lang="en-US" dirty="0" err="1"/>
               <a:t>mais</a:t>
             </a:r>
             <a:r>
-              <a:rPr lang="en-US" dirty="0" smtClean="0"/>
-              <a:t> </a:t>
-            </a:r>
-            <a:r>
-              <a:rPr lang="en-US" dirty="0" err="1" smtClean="0"/>
+              <a:rPr lang="en-US" dirty="0"/>
+              <a:t> </a:t>
+            </a:r>
+            <a:r>
+              <a:rPr lang="en-US" dirty="0" err="1"/>
               <a:t>detalhes</a:t>
             </a:r>
             <a:r>
-              <a:rPr lang="en-US" dirty="0" smtClean="0"/>
+              <a:rPr lang="en-US" dirty="0"/>
               <a:t>.</a:t>
             </a:r>
+          </a:p>
+          <a:p>
+            <a:endParaRPr lang="pt-BR" dirty="0"/>
           </a:p>
         </p:txBody>
       </p:sp>
@@ -6969,22 +6977,21 @@
               <a:rPr lang="en-US" dirty="0" smtClean="0"/>
               <a:t>:</a:t>
             </a:r>
+          </a:p>
+          <a:p>
+            <a:r>
+              <a:rPr lang="en-US" dirty="0"/>
+              <a:t>names, </a:t>
+            </a:r>
+            <a:r>
+              <a:rPr lang="en-US" dirty="0" err="1" smtClean="0"/>
+              <a:t>dimnames</a:t>
+            </a:r>
             <a:endParaRPr lang="en-US" dirty="0" smtClean="0"/>
           </a:p>
           <a:p>
             <a:r>
               <a:rPr lang="en-US" dirty="0"/>
-              <a:t>names, </a:t>
-            </a:r>
-            <a:r>
-              <a:rPr lang="en-US" dirty="0" err="1" smtClean="0"/>
-              <a:t>dimnames</a:t>
-            </a:r>
-            <a:endParaRPr lang="en-US" dirty="0" smtClean="0"/>
-          </a:p>
-          <a:p>
-            <a:r>
-              <a:rPr lang="en-US" dirty="0"/>
               <a:t>dimensions </a:t>
             </a:r>
             <a:r>
@@ -7007,7 +7014,6 @@
               <a:rPr lang="en-US" dirty="0" smtClean="0"/>
               <a:t>)</a:t>
             </a:r>
-            <a:endParaRPr lang="en-US" dirty="0" smtClean="0"/>
           </a:p>
           <a:p>
             <a:r>
@@ -7728,15 +7734,7 @@
             </a:r>
             <a:r>
               <a:rPr lang="en-US" dirty="0" smtClean="0"/>
-              <a:t> </a:t>
-            </a:r>
-            <a:r>
-              <a:rPr lang="en-US" dirty="0" smtClean="0"/>
-              <a:t>2</a:t>
-            </a:r>
-            <a:r>
-              <a:rPr lang="en-US" dirty="0" smtClean="0"/>
-              <a:t> </a:t>
+              <a:t> 2 </a:t>
             </a:r>
             <a:r>
               <a:rPr lang="en-US" dirty="0"/>
@@ -7770,7 +7768,7 @@
         <p:spPr>
           <a:xfrm>
             <a:off x="1356189" y="2434976"/>
-            <a:ext cx="6955605" cy="3970318"/>
+            <a:ext cx="9865993" cy="3970318"/>
           </a:xfrm>
           <a:prstGeom prst="rect">
             <a:avLst/>
@@ -8772,7 +8770,15 @@
             </a:r>
             <a:r>
               <a:rPr lang="en-US" dirty="0" smtClean="0"/>
-              <a:t> para combiner </a:t>
+              <a:t> para </a:t>
+            </a:r>
+            <a:r>
+              <a:rPr lang="en-US" dirty="0" err="1" smtClean="0"/>
+              <a:t>combinar</a:t>
+            </a:r>
+            <a:r>
+              <a:rPr lang="en-US" dirty="0" smtClean="0"/>
+              <a:t> </a:t>
             </a:r>
             <a:r>
               <a:rPr lang="en-US" dirty="0" err="1" smtClean="0"/>
@@ -9298,7 +9304,6 @@
               <a:rPr lang="en-US" dirty="0" smtClean="0"/>
               <a:t> tem um label.</a:t>
             </a:r>
-            <a:endParaRPr lang="en-US" dirty="0" smtClean="0"/>
           </a:p>
           <a:p>
             <a:pPr marL="0" indent="0">
@@ -9353,11 +9358,7 @@
             </a:r>
             <a:r>
               <a:rPr lang="en-US" dirty="0" smtClean="0"/>
-              <a:t> </a:t>
-            </a:r>
-            <a:r>
-              <a:rPr lang="en-US" dirty="0" smtClean="0"/>
-              <a:t>de </a:t>
+              <a:t> de </a:t>
             </a:r>
             <a:r>
               <a:rPr lang="en-US" dirty="0" err="1" smtClean="0"/>
@@ -9609,7 +9610,6 @@
               <a:rPr lang="en-US" dirty="0" smtClean="0"/>
               <a:t> que 0,1, 2, 3.</a:t>
             </a:r>
-            <a:endParaRPr lang="en-US" dirty="0" smtClean="0"/>
           </a:p>
           <a:p>
             <a:pPr marL="0" indent="0">
@@ -9989,11 +9989,7 @@
             </a:r>
             <a:r>
               <a:rPr lang="en-US" dirty="0" smtClean="0"/>
-              <a:t> </a:t>
-            </a:r>
-            <a:r>
-              <a:rPr lang="en-US" dirty="0" smtClean="0"/>
-              <a:t>NA </a:t>
+              <a:t> NA </a:t>
             </a:r>
             <a:r>
               <a:rPr lang="en-US" dirty="0" err="1" smtClean="0"/>
@@ -10072,7 +10068,6 @@
               <a:rPr lang="en-US" dirty="0" smtClean="0"/>
               <a:t> de “Not a Number”.</a:t>
             </a:r>
-            <a:endParaRPr lang="en-US" dirty="0" smtClean="0"/>
           </a:p>
           <a:p>
             <a:pPr marL="0" indent="0">
@@ -13728,375 +13723,482 @@
         </p:nvSpPr>
         <p:spPr>
           <a:xfrm>
-            <a:off x="1679519" y="1985481"/>
-            <a:ext cx="10018713" cy="4373366"/>
+            <a:off x="1494587" y="1985480"/>
+            <a:ext cx="10203646" cy="4567719"/>
           </a:xfrm>
         </p:spPr>
         <p:txBody>
           <a:bodyPr numCol="2">
-            <a:normAutofit fontScale="47500" lnSpcReduction="20000"/>
+            <a:noAutofit/>
           </a:bodyPr>
           <a:lstStyle/>
           <a:p>
             <a:r>
-              <a:rPr lang="en-US" dirty="0" smtClean="0"/>
+              <a:rPr lang="en-US" sz="1400" dirty="0" smtClean="0"/>
               <a:t>"</a:t>
             </a:r>
             <a:r>
-              <a:rPr lang="en-US" dirty="0"/>
+              <a:rPr lang="en-US" sz="1400" dirty="0"/>
               <a:t>NULL"	</a:t>
             </a:r>
             <a:r>
-              <a:rPr lang="en-US" dirty="0" smtClean="0"/>
-              <a:t>NULL</a:t>
-            </a:r>
-          </a:p>
-          <a:p>
-            <a:r>
-              <a:rPr lang="en-US" dirty="0" smtClean="0"/>
+              <a:rPr lang="en-US" sz="1400" dirty="0" smtClean="0"/>
+              <a:t>		NULL</a:t>
+            </a:r>
+            <a:endParaRPr lang="en-US" sz="1400" dirty="0" smtClean="0"/>
+          </a:p>
+          <a:p>
+            <a:r>
+              <a:rPr lang="en-US" sz="1400" dirty="0" smtClean="0"/>
               <a:t>"</a:t>
             </a:r>
             <a:r>
-              <a:rPr lang="en-US" dirty="0"/>
-              <a:t>symbol"	a variable </a:t>
-            </a:r>
-            <a:r>
-              <a:rPr lang="en-US" dirty="0" smtClean="0"/>
+              <a:rPr lang="en-US" sz="1400" dirty="0"/>
+              <a:t>symbol"	</a:t>
+            </a:r>
+            <a:r>
+              <a:rPr lang="en-US" sz="1400" dirty="0" smtClean="0"/>
+              <a:t>	a </a:t>
+            </a:r>
+            <a:r>
+              <a:rPr lang="en-US" sz="1400" dirty="0"/>
+              <a:t>variable </a:t>
+            </a:r>
+            <a:r>
+              <a:rPr lang="en-US" sz="1400" dirty="0" smtClean="0"/>
               <a:t>name</a:t>
             </a:r>
           </a:p>
           <a:p>
             <a:r>
-              <a:rPr lang="en-US" dirty="0" smtClean="0"/>
+              <a:rPr lang="en-US" sz="1400" dirty="0" smtClean="0"/>
               <a:t>"</a:t>
             </a:r>
             <a:r>
-              <a:rPr lang="en-US" dirty="0" err="1"/>
+              <a:rPr lang="en-US" sz="1400" dirty="0" err="1"/>
               <a:t>pairlist</a:t>
             </a:r>
             <a:r>
-              <a:rPr lang="en-US" dirty="0"/>
-              <a:t>"	a </a:t>
-            </a:r>
-            <a:r>
-              <a:rPr lang="en-US" dirty="0" err="1"/>
+              <a:rPr lang="en-US" sz="1400" dirty="0"/>
+              <a:t>"	</a:t>
+            </a:r>
+            <a:r>
+              <a:rPr lang="en-US" sz="1400" dirty="0" smtClean="0"/>
+              <a:t>	a </a:t>
+            </a:r>
+            <a:r>
+              <a:rPr lang="en-US" sz="1400" dirty="0" err="1"/>
               <a:t>pairlist</a:t>
             </a:r>
             <a:r>
-              <a:rPr lang="en-US" dirty="0"/>
+              <a:rPr lang="en-US" sz="1400" dirty="0"/>
               <a:t> object (mainly internal</a:t>
             </a:r>
             <a:r>
-              <a:rPr lang="en-US" dirty="0" smtClean="0"/>
+              <a:rPr lang="en-US" sz="1400" dirty="0" smtClean="0"/>
               <a:t>)</a:t>
             </a:r>
           </a:p>
           <a:p>
             <a:r>
-              <a:rPr lang="en-US" dirty="0" smtClean="0"/>
+              <a:rPr lang="en-US" sz="1400" dirty="0" smtClean="0"/>
               <a:t>"</a:t>
             </a:r>
             <a:r>
-              <a:rPr lang="en-US" dirty="0"/>
-              <a:t>closure"	a </a:t>
-            </a:r>
-            <a:r>
-              <a:rPr lang="en-US" dirty="0" smtClean="0"/>
+              <a:rPr lang="en-US" sz="1400" dirty="0"/>
+              <a:t>closure"	</a:t>
+            </a:r>
+            <a:r>
+              <a:rPr lang="en-US" sz="1400" dirty="0" smtClean="0"/>
+              <a:t>	a </a:t>
+            </a:r>
+            <a:r>
+              <a:rPr lang="en-US" sz="1400" dirty="0" smtClean="0"/>
               <a:t>function</a:t>
             </a:r>
           </a:p>
           <a:p>
             <a:r>
-              <a:rPr lang="en-US" dirty="0" smtClean="0"/>
+              <a:rPr lang="en-US" sz="1400" dirty="0" smtClean="0"/>
               <a:t>"</a:t>
             </a:r>
             <a:r>
-              <a:rPr lang="en-US" dirty="0"/>
-              <a:t>environment"	an </a:t>
-            </a:r>
-            <a:r>
-              <a:rPr lang="en-US" dirty="0" smtClean="0"/>
+              <a:rPr lang="en-US" sz="1400" dirty="0" smtClean="0"/>
+              <a:t>environment“	</a:t>
+            </a:r>
+            <a:r>
+              <a:rPr lang="en-US" sz="1400" dirty="0"/>
+              <a:t>	an </a:t>
+            </a:r>
+            <a:r>
+              <a:rPr lang="en-US" sz="1400" dirty="0" smtClean="0"/>
               <a:t>environment</a:t>
             </a:r>
           </a:p>
           <a:p>
             <a:r>
-              <a:rPr lang="en-US" dirty="0" smtClean="0"/>
+              <a:rPr lang="en-US" sz="1400" dirty="0" smtClean="0"/>
               <a:t>"</a:t>
             </a:r>
             <a:r>
-              <a:rPr lang="en-US" dirty="0"/>
-              <a:t>promise"	an object used to implement lazy </a:t>
-            </a:r>
-            <a:r>
-              <a:rPr lang="en-US" dirty="0" smtClean="0"/>
+              <a:rPr lang="en-US" sz="1400" dirty="0" smtClean="0"/>
+              <a:t>promise“	</a:t>
+            </a:r>
+            <a:r>
+              <a:rPr lang="en-US" sz="1400" dirty="0"/>
+              <a:t>	an object used to implement lazy </a:t>
+            </a:r>
+            <a:r>
+              <a:rPr lang="en-US" sz="1400" dirty="0" smtClean="0"/>
               <a:t>evaluation</a:t>
             </a:r>
           </a:p>
           <a:p>
             <a:r>
-              <a:rPr lang="en-US" dirty="0" smtClean="0"/>
+              <a:rPr lang="en-US" sz="1400" dirty="0" smtClean="0"/>
               <a:t>"</a:t>
             </a:r>
             <a:r>
-              <a:rPr lang="en-US" dirty="0"/>
-              <a:t>language"	an R language </a:t>
-            </a:r>
-            <a:r>
-              <a:rPr lang="en-US" dirty="0" smtClean="0"/>
+              <a:rPr lang="en-US" sz="1400" dirty="0"/>
+              <a:t>language"	</a:t>
+            </a:r>
+            <a:r>
+              <a:rPr lang="en-US" sz="1400" dirty="0" smtClean="0"/>
+              <a:t>	an </a:t>
+            </a:r>
+            <a:r>
+              <a:rPr lang="en-US" sz="1400" dirty="0"/>
+              <a:t>R language </a:t>
+            </a:r>
+            <a:r>
+              <a:rPr lang="en-US" sz="1400" dirty="0" smtClean="0"/>
               <a:t>construct</a:t>
             </a:r>
           </a:p>
           <a:p>
             <a:r>
-              <a:rPr lang="en-US" dirty="0" smtClean="0"/>
+              <a:rPr lang="en-US" sz="1400" dirty="0" smtClean="0"/>
               <a:t>"</a:t>
             </a:r>
             <a:r>
-              <a:rPr lang="en-US" dirty="0"/>
-              <a:t>special"	an internal function that does not evaluate its </a:t>
-            </a:r>
-            <a:r>
-              <a:rPr lang="en-US" dirty="0" smtClean="0"/>
-              <a:t>arguments</a:t>
-            </a:r>
-          </a:p>
-          <a:p>
-            <a:r>
-              <a:rPr lang="en-US" dirty="0" smtClean="0"/>
+              <a:rPr lang="en-US" sz="1400" dirty="0"/>
+              <a:t>special"	</a:t>
+            </a:r>
+            <a:r>
+              <a:rPr lang="en-US" sz="1400" dirty="0" smtClean="0"/>
+              <a:t>	an </a:t>
+            </a:r>
+            <a:r>
+              <a:rPr lang="en-US" sz="1400" dirty="0"/>
+              <a:t>internal </a:t>
+            </a:r>
+            <a:r>
+              <a:rPr lang="en-US" sz="1400" dirty="0" smtClean="0"/>
+              <a:t>function</a:t>
+            </a:r>
+            <a:endParaRPr lang="en-US" sz="1400" dirty="0" smtClean="0"/>
+          </a:p>
+          <a:p>
+            <a:r>
+              <a:rPr lang="en-US" sz="1400" dirty="0" smtClean="0"/>
               <a:t>"</a:t>
             </a:r>
             <a:r>
-              <a:rPr lang="en-US" dirty="0" err="1"/>
+              <a:rPr lang="en-US" sz="1400" dirty="0" err="1"/>
               <a:t>builtin</a:t>
             </a:r>
             <a:r>
-              <a:rPr lang="en-US" dirty="0"/>
-              <a:t>"	an internal function that evaluates its </a:t>
-            </a:r>
-            <a:r>
-              <a:rPr lang="en-US" dirty="0" smtClean="0"/>
-              <a:t>arguments</a:t>
-            </a:r>
-          </a:p>
-          <a:p>
-            <a:r>
-              <a:rPr lang="en-US" dirty="0" smtClean="0"/>
+              <a:rPr lang="en-US" sz="1400" dirty="0"/>
+              <a:t>"	</a:t>
+            </a:r>
+            <a:r>
+              <a:rPr lang="en-US" sz="1400" dirty="0" smtClean="0"/>
+              <a:t>		an </a:t>
+            </a:r>
+            <a:r>
+              <a:rPr lang="en-US" sz="1400" dirty="0"/>
+              <a:t>internal </a:t>
+            </a:r>
+            <a:endParaRPr lang="en-US" sz="1400" dirty="0" smtClean="0"/>
+          </a:p>
+          <a:p>
+            <a:r>
+              <a:rPr lang="en-US" sz="1400" dirty="0" smtClean="0"/>
               <a:t>"</a:t>
             </a:r>
             <a:r>
-              <a:rPr lang="en-US" dirty="0"/>
-              <a:t>char"	a ‘scalar’ string object (internal only</a:t>
-            </a:r>
-            <a:r>
-              <a:rPr lang="en-US" dirty="0" smtClean="0"/>
+              <a:rPr lang="en-US" sz="1400" dirty="0"/>
+              <a:t>char"	</a:t>
+            </a:r>
+            <a:r>
+              <a:rPr lang="en-US" sz="1400" dirty="0" smtClean="0"/>
+              <a:t>		a </a:t>
+            </a:r>
+            <a:r>
+              <a:rPr lang="en-US" sz="1400" dirty="0"/>
+              <a:t>‘scalar’ string object (internal only</a:t>
+            </a:r>
+            <a:r>
+              <a:rPr lang="en-US" sz="1400" dirty="0" smtClean="0"/>
               <a:t>)</a:t>
             </a:r>
           </a:p>
           <a:p>
             <a:r>
-              <a:rPr lang="en-US" dirty="0" smtClean="0"/>
+              <a:rPr lang="en-US" sz="1400" dirty="0" smtClean="0"/>
               <a:t>"</a:t>
             </a:r>
             <a:r>
-              <a:rPr lang="en-US" dirty="0"/>
-              <a:t>logical"	a vector containing logical </a:t>
-            </a:r>
-            <a:r>
-              <a:rPr lang="en-US" dirty="0" smtClean="0"/>
+              <a:rPr lang="en-US" sz="1400" dirty="0" smtClean="0"/>
+              <a:t>logical“		</a:t>
+            </a:r>
+            <a:r>
+              <a:rPr lang="en-US" sz="1400" dirty="0"/>
+              <a:t>	a vector containing logical </a:t>
+            </a:r>
+            <a:r>
+              <a:rPr lang="en-US" sz="1400" dirty="0" smtClean="0"/>
               <a:t>values</a:t>
             </a:r>
           </a:p>
           <a:p>
             <a:r>
-              <a:rPr lang="en-US" dirty="0" smtClean="0"/>
+              <a:rPr lang="en-US" sz="1400" dirty="0" smtClean="0"/>
               <a:t>"</a:t>
             </a:r>
             <a:r>
-              <a:rPr lang="en-US" dirty="0"/>
-              <a:t>integer"	a vector containing integer </a:t>
-            </a:r>
-            <a:r>
-              <a:rPr lang="en-US" dirty="0" smtClean="0"/>
+              <a:rPr lang="en-US" sz="1400" dirty="0"/>
+              <a:t>integer"	</a:t>
+            </a:r>
+            <a:r>
+              <a:rPr lang="en-US" sz="1400" dirty="0" smtClean="0"/>
+              <a:t>	a </a:t>
+            </a:r>
+            <a:r>
+              <a:rPr lang="en-US" sz="1400" dirty="0"/>
+              <a:t>vector containing integer </a:t>
+            </a:r>
+            <a:r>
+              <a:rPr lang="en-US" sz="1400" dirty="0" smtClean="0"/>
               <a:t>values</a:t>
             </a:r>
           </a:p>
           <a:p>
             <a:r>
-              <a:rPr lang="en-US" dirty="0" smtClean="0"/>
+              <a:rPr lang="en-US" sz="1400" dirty="0" smtClean="0"/>
               <a:t>"</a:t>
             </a:r>
             <a:r>
-              <a:rPr lang="en-US" dirty="0"/>
-              <a:t>double"	a vector containing real </a:t>
-            </a:r>
-            <a:r>
-              <a:rPr lang="en-US" dirty="0" smtClean="0"/>
+              <a:rPr lang="en-US" sz="1400" dirty="0"/>
+              <a:t>double"	</a:t>
+            </a:r>
+            <a:r>
+              <a:rPr lang="en-US" sz="1400" dirty="0" smtClean="0"/>
+              <a:t>	a </a:t>
+            </a:r>
+            <a:r>
+              <a:rPr lang="en-US" sz="1400" dirty="0"/>
+              <a:t>vector containing real </a:t>
+            </a:r>
+            <a:r>
+              <a:rPr lang="en-US" sz="1400" dirty="0" smtClean="0"/>
               <a:t>values</a:t>
             </a:r>
           </a:p>
           <a:p>
             <a:r>
-              <a:rPr lang="en-US" dirty="0" smtClean="0"/>
+              <a:rPr lang="en-US" sz="1400" dirty="0" smtClean="0"/>
               <a:t>"</a:t>
             </a:r>
             <a:r>
-              <a:rPr lang="en-US" dirty="0"/>
+              <a:rPr lang="en-US" sz="1400" dirty="0"/>
               <a:t>complex"	a vector containing complex </a:t>
             </a:r>
             <a:r>
-              <a:rPr lang="en-US" dirty="0" smtClean="0"/>
+              <a:rPr lang="en-US" sz="1400" dirty="0" smtClean="0"/>
               <a:t>values</a:t>
             </a:r>
           </a:p>
           <a:p>
             <a:r>
-              <a:rPr lang="en-US" dirty="0" smtClean="0"/>
+              <a:rPr lang="en-US" sz="1400" dirty="0" smtClean="0"/>
               <a:t>"</a:t>
             </a:r>
             <a:r>
-              <a:rPr lang="en-US" dirty="0"/>
+              <a:rPr lang="en-US" sz="1400" dirty="0"/>
               <a:t>character"	a vector containing character </a:t>
             </a:r>
             <a:r>
-              <a:rPr lang="en-US" dirty="0" smtClean="0"/>
+              <a:rPr lang="en-US" sz="1400" dirty="0" smtClean="0"/>
               <a:t>values</a:t>
             </a:r>
           </a:p>
           <a:p>
             <a:r>
-              <a:rPr lang="en-US" dirty="0" smtClean="0"/>
+              <a:rPr lang="en-US" sz="1400" dirty="0" smtClean="0"/>
               <a:t>"..."</a:t>
             </a:r>
             <a:r>
-              <a:rPr lang="en-US" dirty="0"/>
-              <a:t>	the special variable length </a:t>
-            </a:r>
-            <a:r>
-              <a:rPr lang="en-US" dirty="0" smtClean="0"/>
+              <a:rPr lang="en-US" sz="1400" dirty="0"/>
+              <a:t>	</a:t>
+            </a:r>
+            <a:r>
+              <a:rPr lang="en-US" sz="1400" dirty="0" smtClean="0"/>
+              <a:t>	the </a:t>
+            </a:r>
+            <a:r>
+              <a:rPr lang="en-US" sz="1400" dirty="0"/>
+              <a:t>special variable length </a:t>
+            </a:r>
+            <a:r>
+              <a:rPr lang="en-US" sz="1400" dirty="0" smtClean="0"/>
               <a:t>argument</a:t>
             </a:r>
           </a:p>
           <a:p>
             <a:r>
-              <a:rPr lang="en-US" dirty="0" smtClean="0"/>
+              <a:rPr lang="en-US" sz="1400" dirty="0" smtClean="0"/>
               <a:t>"</a:t>
             </a:r>
             <a:r>
-              <a:rPr lang="en-US" dirty="0"/>
-              <a:t>any"	a special type that matches all types: there are no objects of this </a:t>
-            </a:r>
-            <a:r>
-              <a:rPr lang="en-US" dirty="0" smtClean="0"/>
+              <a:rPr lang="en-US" sz="1400" dirty="0"/>
+              <a:t>any"	</a:t>
+            </a:r>
+            <a:r>
+              <a:rPr lang="en-US" sz="1400" dirty="0" smtClean="0"/>
+              <a:t>	a </a:t>
+            </a:r>
+            <a:r>
+              <a:rPr lang="en-US" sz="1400" dirty="0"/>
+              <a:t>special type that matches all types: there are no objects of this </a:t>
+            </a:r>
+            <a:r>
+              <a:rPr lang="en-US" sz="1400" dirty="0" smtClean="0"/>
               <a:t>type</a:t>
             </a:r>
           </a:p>
           <a:p>
             <a:r>
-              <a:rPr lang="en-US" dirty="0" smtClean="0"/>
+              <a:rPr lang="en-US" sz="1400" dirty="0" smtClean="0"/>
               <a:t>"</a:t>
             </a:r>
             <a:r>
-              <a:rPr lang="en-US" dirty="0"/>
+              <a:rPr lang="en-US" sz="1400" dirty="0"/>
               <a:t>expression"	an expression </a:t>
             </a:r>
             <a:r>
-              <a:rPr lang="en-US" dirty="0" smtClean="0"/>
+              <a:rPr lang="en-US" sz="1400" dirty="0" smtClean="0"/>
               <a:t>object</a:t>
             </a:r>
           </a:p>
           <a:p>
             <a:r>
-              <a:rPr lang="en-US" dirty="0" smtClean="0"/>
+              <a:rPr lang="en-US" sz="1400" dirty="0" smtClean="0"/>
               <a:t>"</a:t>
             </a:r>
             <a:r>
-              <a:rPr lang="en-US" dirty="0"/>
+              <a:rPr lang="en-US" sz="1400" dirty="0"/>
               <a:t>list"	a </a:t>
             </a:r>
             <a:r>
-              <a:rPr lang="en-US" dirty="0" smtClean="0"/>
+              <a:rPr lang="en-US" sz="1400" dirty="0" smtClean="0"/>
               <a:t>list</a:t>
             </a:r>
           </a:p>
           <a:p>
             <a:r>
-              <a:rPr lang="en-US" dirty="0" smtClean="0"/>
+              <a:rPr lang="en-US" sz="1400" dirty="0" smtClean="0"/>
               <a:t>"</a:t>
             </a:r>
             <a:r>
-              <a:rPr lang="en-US" dirty="0" err="1"/>
+              <a:rPr lang="en-US" sz="1400" dirty="0" err="1"/>
               <a:t>bytecode</a:t>
             </a:r>
             <a:r>
-              <a:rPr lang="en-US" dirty="0"/>
+              <a:rPr lang="en-US" sz="1400" dirty="0"/>
               <a:t>"	byte code (internal only</a:t>
             </a:r>
             <a:r>
-              <a:rPr lang="en-US" dirty="0" smtClean="0"/>
+              <a:rPr lang="en-US" sz="1400" dirty="0" smtClean="0"/>
               <a:t>)</a:t>
             </a:r>
           </a:p>
           <a:p>
             <a:r>
-              <a:rPr lang="en-US" dirty="0" smtClean="0"/>
+              <a:rPr lang="en-US" sz="1400" dirty="0" smtClean="0"/>
               <a:t>"</a:t>
             </a:r>
             <a:r>
-              <a:rPr lang="en-US" dirty="0" err="1"/>
+              <a:rPr lang="en-US" sz="1400" dirty="0" err="1"/>
               <a:t>externalptr</a:t>
             </a:r>
             <a:r>
-              <a:rPr lang="en-US" dirty="0"/>
+              <a:rPr lang="en-US" sz="1400" dirty="0"/>
               <a:t>"	an external pointer </a:t>
             </a:r>
             <a:r>
-              <a:rPr lang="en-US" dirty="0" smtClean="0"/>
+              <a:rPr lang="en-US" sz="1400" dirty="0" smtClean="0"/>
               <a:t>object</a:t>
             </a:r>
           </a:p>
           <a:p>
             <a:r>
-              <a:rPr lang="en-US" dirty="0" smtClean="0"/>
+              <a:rPr lang="en-US" sz="1400" dirty="0" smtClean="0"/>
               <a:t>"</a:t>
             </a:r>
             <a:r>
-              <a:rPr lang="en-US" dirty="0" err="1"/>
+              <a:rPr lang="en-US" sz="1400" dirty="0" err="1"/>
               <a:t>weakref</a:t>
             </a:r>
             <a:r>
-              <a:rPr lang="en-US" dirty="0"/>
+              <a:rPr lang="en-US" sz="1400" dirty="0"/>
               <a:t>"	a weak reference </a:t>
             </a:r>
             <a:r>
-              <a:rPr lang="en-US" dirty="0" smtClean="0"/>
+              <a:rPr lang="en-US" sz="1400" dirty="0" smtClean="0"/>
               <a:t>object</a:t>
             </a:r>
           </a:p>
           <a:p>
             <a:r>
-              <a:rPr lang="en-US" dirty="0" smtClean="0"/>
+              <a:rPr lang="en-US" sz="1400" dirty="0" smtClean="0"/>
               <a:t>"</a:t>
             </a:r>
             <a:r>
-              <a:rPr lang="en-US" dirty="0"/>
-              <a:t>raw"	a vector containing </a:t>
-            </a:r>
-            <a:r>
-              <a:rPr lang="en-US" dirty="0" smtClean="0"/>
+              <a:rPr lang="en-US" sz="1400" dirty="0"/>
+              <a:t>raw"	</a:t>
+            </a:r>
+            <a:r>
+              <a:rPr lang="en-US" sz="1400" dirty="0" smtClean="0"/>
+              <a:t>	a </a:t>
+            </a:r>
+            <a:r>
+              <a:rPr lang="en-US" sz="1400" dirty="0"/>
+              <a:t>vector containing </a:t>
+            </a:r>
+            <a:r>
+              <a:rPr lang="en-US" sz="1400" dirty="0" smtClean="0"/>
               <a:t>bytes</a:t>
             </a:r>
           </a:p>
           <a:p>
             <a:r>
-              <a:rPr lang="en-US" dirty="0" smtClean="0"/>
+              <a:rPr lang="en-US" sz="1400" dirty="0" smtClean="0"/>
               <a:t>"</a:t>
             </a:r>
             <a:r>
-              <a:rPr lang="en-US" dirty="0"/>
-              <a:t>S4"	an S4 object which is not a simple object</a:t>
-            </a:r>
-            <a:endParaRPr lang="en-US" dirty="0" smtClean="0"/>
+              <a:rPr lang="en-US" sz="1400" dirty="0"/>
+              <a:t>S4"	</a:t>
+            </a:r>
+            <a:r>
+              <a:rPr lang="en-US" sz="1400" dirty="0" smtClean="0"/>
+              <a:t>	an </a:t>
+            </a:r>
+            <a:r>
+              <a:rPr lang="en-US" sz="1400" dirty="0"/>
+              <a:t>S4 object which is not a simple object</a:t>
+            </a:r>
+            <a:endParaRPr lang="en-US" sz="1400" dirty="0" smtClean="0"/>
           </a:p>
         </p:txBody>
       </p:sp>
@@ -15997,12 +16099,6 @@
             <a:pPr marL="0" indent="0">
               <a:buNone/>
             </a:pPr>
-            <a:endParaRPr lang="en-US" sz="1800" dirty="0" smtClean="0"/>
-          </a:p>
-          <a:p>
-            <a:pPr marL="0" indent="0">
-              <a:buNone/>
-            </a:pPr>
             <a:r>
               <a:rPr lang="en-US" sz="1800" dirty="0" smtClean="0"/>
               <a:t>For:</a:t>
@@ -16197,12 +16293,12 @@
         <p:spPr>
           <a:xfrm>
             <a:off x="1484309" y="1475197"/>
-            <a:ext cx="10018713" cy="3124201"/>
+            <a:ext cx="10018713" cy="4551530"/>
           </a:xfrm>
         </p:spPr>
         <p:txBody>
           <a:bodyPr>
-            <a:normAutofit fontScale="55000" lnSpcReduction="20000"/>
+            <a:normAutofit fontScale="92500" lnSpcReduction="20000"/>
           </a:bodyPr>
           <a:lstStyle/>
           <a:p>
@@ -16210,9 +16306,58 @@
               <a:buNone/>
             </a:pPr>
             <a:r>
-              <a:rPr lang="en-US" dirty="0"/>
-              <a:t>Objects Objects R has five basic or “atomic” classes of objects: </a:t>
-            </a:r>
+              <a:rPr lang="en-US" dirty="0" err="1" smtClean="0"/>
+              <a:t>Temos</a:t>
+            </a:r>
+            <a:r>
+              <a:rPr lang="en-US" dirty="0" smtClean="0"/>
+              <a:t> </a:t>
+            </a:r>
+            <a:r>
+              <a:rPr lang="en-US" dirty="0" err="1" smtClean="0"/>
+              <a:t>cinco</a:t>
+            </a:r>
+            <a:r>
+              <a:rPr lang="en-US" dirty="0" smtClean="0"/>
+              <a:t> </a:t>
+            </a:r>
+            <a:r>
+              <a:rPr lang="en-US" dirty="0" err="1" smtClean="0"/>
+              <a:t>tipos</a:t>
+            </a:r>
+            <a:r>
+              <a:rPr lang="en-US" dirty="0" smtClean="0"/>
+              <a:t> </a:t>
+            </a:r>
+            <a:r>
+              <a:rPr lang="en-US" dirty="0" err="1" smtClean="0"/>
+              <a:t>básicos</a:t>
+            </a:r>
+            <a:r>
+              <a:rPr lang="en-US" dirty="0" smtClean="0"/>
+              <a:t> de </a:t>
+            </a:r>
+            <a:r>
+              <a:rPr lang="en-US" dirty="0" err="1" smtClean="0"/>
+              <a:t>objetos</a:t>
+            </a:r>
+            <a:r>
+              <a:rPr lang="en-US" dirty="0" smtClean="0"/>
+              <a:t> </a:t>
+            </a:r>
+            <a:r>
+              <a:rPr lang="en-US" dirty="0" err="1" smtClean="0"/>
+              <a:t>ou</a:t>
+            </a:r>
+            <a:r>
+              <a:rPr lang="en-US" dirty="0" smtClean="0"/>
+              <a:t>  classes “atomic”</a:t>
+            </a:r>
+          </a:p>
+          <a:p>
+            <a:pPr marL="0" indent="0">
+              <a:buNone/>
+            </a:pPr>
             <a:endParaRPr lang="en-US" dirty="0" smtClean="0"/>
           </a:p>
           <a:p>
@@ -16260,6 +16405,12 @@
             </a:r>
           </a:p>
           <a:p>
+            <a:pPr marL="0" indent="0">
+              <a:buNone/>
+            </a:pPr>
+            <a:endParaRPr lang="en-US" dirty="0" smtClean="0"/>
+          </a:p>
+          <a:p>
             <a:endParaRPr lang="en-US" dirty="0"/>
           </a:p>
           <a:p>
@@ -16268,19 +16419,151 @@
             </a:pPr>
             <a:r>
               <a:rPr lang="en-US" dirty="0" smtClean="0"/>
-              <a:t>The </a:t>
-            </a:r>
-            <a:r>
-              <a:rPr lang="en-US" dirty="0"/>
-              <a:t>most basic object is a </a:t>
-            </a:r>
-            <a:r>
-              <a:rPr lang="en-US" dirty="0" smtClean="0"/>
-              <a:t>vector.   A </a:t>
-            </a:r>
-            <a:r>
-              <a:rPr lang="en-US" dirty="0"/>
-              <a:t>vector can only contain objects of the same class </a:t>
+              <a:t>   </a:t>
+            </a:r>
+            <a:r>
+              <a:rPr lang="en-US" dirty="0" err="1" smtClean="0"/>
+              <a:t>Temos</a:t>
+            </a:r>
+            <a:r>
+              <a:rPr lang="en-US" dirty="0" smtClean="0"/>
+              <a:t> </a:t>
+            </a:r>
+            <a:r>
+              <a:rPr lang="en-US" dirty="0" err="1" smtClean="0"/>
+              <a:t>também</a:t>
+            </a:r>
+            <a:r>
+              <a:rPr lang="en-US" dirty="0" smtClean="0"/>
+              <a:t> </a:t>
+            </a:r>
+            <a:r>
+              <a:rPr lang="en-US" dirty="0" smtClean="0"/>
+              <a:t>o </a:t>
+            </a:r>
+            <a:r>
+              <a:rPr lang="en-US" dirty="0" err="1" smtClean="0"/>
+              <a:t>vetor</a:t>
+            </a:r>
+            <a:r>
+              <a:rPr lang="en-US" dirty="0" smtClean="0"/>
+              <a:t>, que é um </a:t>
+            </a:r>
+            <a:r>
+              <a:rPr lang="en-US" dirty="0" err="1" smtClean="0"/>
+              <a:t>objeto</a:t>
+            </a:r>
+            <a:r>
+              <a:rPr lang="en-US" dirty="0" smtClean="0"/>
+              <a:t> com </a:t>
+            </a:r>
+            <a:r>
+              <a:rPr lang="en-US" dirty="0" err="1" smtClean="0"/>
+              <a:t>uma</a:t>
+            </a:r>
+            <a:r>
+              <a:rPr lang="en-US" dirty="0" smtClean="0"/>
+              <a:t> </a:t>
+            </a:r>
+            <a:r>
+              <a:rPr lang="en-US" dirty="0" err="1" smtClean="0"/>
+              <a:t>sequência</a:t>
+            </a:r>
+            <a:r>
+              <a:rPr lang="en-US" dirty="0" smtClean="0"/>
+              <a:t> de </a:t>
+            </a:r>
+            <a:r>
+              <a:rPr lang="en-US" dirty="0" err="1" smtClean="0"/>
+              <a:t>objetos</a:t>
+            </a:r>
+            <a:r>
+              <a:rPr lang="en-US" dirty="0" smtClean="0"/>
+              <a:t> do </a:t>
+            </a:r>
+            <a:r>
+              <a:rPr lang="en-US" dirty="0" err="1" smtClean="0"/>
+              <a:t>mesmo</a:t>
+            </a:r>
+            <a:r>
+              <a:rPr lang="en-US" dirty="0" smtClean="0"/>
+              <a:t> </a:t>
+            </a:r>
+            <a:r>
+              <a:rPr lang="en-US" dirty="0" err="1" smtClean="0"/>
+              <a:t>tipo</a:t>
+            </a:r>
+            <a:r>
+              <a:rPr lang="en-US" dirty="0" smtClean="0"/>
+              <a:t> </a:t>
+            </a:r>
+            <a:r>
+              <a:rPr lang="en-US" dirty="0" err="1" smtClean="0"/>
+              <a:t>básico</a:t>
+            </a:r>
+            <a:r>
+              <a:rPr lang="en-US" dirty="0" smtClean="0"/>
+              <a:t>. </a:t>
+            </a:r>
+            <a:r>
+              <a:rPr lang="en-US" dirty="0" smtClean="0"/>
+              <a:t>Um </a:t>
+            </a:r>
+            <a:r>
+              <a:rPr lang="en-US" dirty="0" err="1" smtClean="0"/>
+              <a:t>vetor</a:t>
+            </a:r>
+            <a:r>
+              <a:rPr lang="en-US" dirty="0" smtClean="0"/>
+              <a:t> </a:t>
+            </a:r>
+            <a:r>
+              <a:rPr lang="en-US" dirty="0" err="1" smtClean="0"/>
+              <a:t>pode</a:t>
+            </a:r>
+            <a:r>
+              <a:rPr lang="en-US" dirty="0" smtClean="0"/>
+              <a:t> </a:t>
+            </a:r>
+            <a:r>
+              <a:rPr lang="en-US" dirty="0" err="1" smtClean="0"/>
+              <a:t>conter</a:t>
+            </a:r>
+            <a:r>
+              <a:rPr lang="en-US" dirty="0" smtClean="0"/>
+              <a:t> </a:t>
+            </a:r>
+            <a:r>
+              <a:rPr lang="en-US" dirty="0" err="1" smtClean="0"/>
+              <a:t>apenas</a:t>
+            </a:r>
+            <a:r>
+              <a:rPr lang="en-US" dirty="0" smtClean="0"/>
+              <a:t> </a:t>
+            </a:r>
+            <a:r>
+              <a:rPr lang="en-US" dirty="0" err="1" smtClean="0"/>
+              <a:t>objetos</a:t>
+            </a:r>
+            <a:r>
+              <a:rPr lang="en-US" dirty="0" smtClean="0"/>
+              <a:t> da </a:t>
+            </a:r>
+            <a:r>
+              <a:rPr lang="en-US" dirty="0" err="1" smtClean="0"/>
+              <a:t>mesma</a:t>
+            </a:r>
+            <a:r>
+              <a:rPr lang="en-US" dirty="0" smtClean="0"/>
+              <a:t> </a:t>
+            </a:r>
+            <a:r>
+              <a:rPr lang="en-US" dirty="0" err="1" smtClean="0"/>
+              <a:t>classe</a:t>
+            </a:r>
+            <a:r>
+              <a:rPr lang="en-US" dirty="0" smtClean="0"/>
+              <a:t>.</a:t>
             </a:r>
             <a:endParaRPr lang="en-US" dirty="0" smtClean="0"/>
           </a:p>
@@ -16288,31 +16571,7 @@
             <a:pPr marL="0" indent="0">
               <a:buNone/>
             </a:pPr>
-            <a:r>
-              <a:rPr lang="en-US" dirty="0"/>
-              <a:t> </a:t>
-            </a:r>
-            <a:r>
-              <a:rPr lang="en-US" dirty="0" smtClean="0"/>
-              <a:t> BUT</a:t>
-            </a:r>
-            <a:r>
-              <a:rPr lang="en-US" dirty="0"/>
-              <a:t>: The one exception is a list, which is represented as a vector but can contain objects of different classes (indeed, that’s usually why we use them)</a:t>
-            </a:r>
-          </a:p>
-          <a:p>
-            <a:pPr marL="0" indent="0">
-              <a:buNone/>
-            </a:pPr>
-            <a:r>
-              <a:rPr lang="en-US" dirty="0" smtClean="0"/>
-              <a:t> Empty </a:t>
-            </a:r>
-            <a:r>
-              <a:rPr lang="en-US" dirty="0"/>
-              <a:t>vectors can be created with the vector() function.</a:t>
-            </a:r>
+            <a:endParaRPr lang="en-US" dirty="0" smtClean="0"/>
           </a:p>
         </p:txBody>
       </p:sp>

--- a/Apresentacao Linguagem R.pptx
+++ b/Apresentacao Linguagem R.pptx
@@ -13745,7 +13745,6 @@
               <a:rPr lang="en-US" sz="1400" dirty="0" smtClean="0"/>
               <a:t>		NULL</a:t>
             </a:r>
-            <a:endParaRPr lang="en-US" sz="1400" dirty="0" smtClean="0"/>
           </a:p>
           <a:p>
             <a:r>
@@ -13810,7 +13809,75 @@
             </a:r>
             <a:r>
               <a:rPr lang="en-US" sz="1400" dirty="0" smtClean="0"/>
-              <a:t>	a </a:t>
+              <a:t>	a function</a:t>
+            </a:r>
+          </a:p>
+          <a:p>
+            <a:r>
+              <a:rPr lang="en-US" sz="1400" dirty="0" smtClean="0"/>
+              <a:t>"environment“	</a:t>
+            </a:r>
+            <a:r>
+              <a:rPr lang="en-US" sz="1400" dirty="0"/>
+              <a:t>	an </a:t>
+            </a:r>
+            <a:r>
+              <a:rPr lang="en-US" sz="1400" dirty="0" smtClean="0"/>
+              <a:t>environment</a:t>
+            </a:r>
+          </a:p>
+          <a:p>
+            <a:r>
+              <a:rPr lang="en-US" sz="1400" dirty="0" smtClean="0"/>
+              <a:t>"promise“	</a:t>
+            </a:r>
+            <a:r>
+              <a:rPr lang="en-US" sz="1400" dirty="0"/>
+              <a:t>	an object used to implement lazy </a:t>
+            </a:r>
+            <a:r>
+              <a:rPr lang="en-US" sz="1400" dirty="0" smtClean="0"/>
+              <a:t>evaluation</a:t>
+            </a:r>
+          </a:p>
+          <a:p>
+            <a:r>
+              <a:rPr lang="en-US" sz="1400" dirty="0" smtClean="0"/>
+              <a:t>"</a:t>
+            </a:r>
+            <a:r>
+              <a:rPr lang="en-US" sz="1400" dirty="0"/>
+              <a:t>language"	</a:t>
+            </a:r>
+            <a:r>
+              <a:rPr lang="en-US" sz="1400" dirty="0" smtClean="0"/>
+              <a:t>	an </a:t>
+            </a:r>
+            <a:r>
+              <a:rPr lang="en-US" sz="1400" dirty="0"/>
+              <a:t>R language </a:t>
+            </a:r>
+            <a:r>
+              <a:rPr lang="en-US" sz="1400" dirty="0" smtClean="0"/>
+              <a:t>construct</a:t>
+            </a:r>
+          </a:p>
+          <a:p>
+            <a:r>
+              <a:rPr lang="en-US" sz="1400" dirty="0" smtClean="0"/>
+              <a:t>"</a:t>
+            </a:r>
+            <a:r>
+              <a:rPr lang="en-US" sz="1400" dirty="0"/>
+              <a:t>special"	</a:t>
+            </a:r>
+            <a:r>
+              <a:rPr lang="en-US" sz="1400" dirty="0" smtClean="0"/>
+              <a:t>	an </a:t>
+            </a:r>
+            <a:r>
+              <a:rPr lang="en-US" sz="1400" dirty="0"/>
+              <a:t>internal </a:t>
             </a:r>
             <a:r>
               <a:rPr lang="en-US" sz="1400" dirty="0" smtClean="0"/>
@@ -13823,17 +13890,22 @@
               <a:t>"</a:t>
             </a:r>
             <a:r>
+              <a:rPr lang="en-US" sz="1400" dirty="0" err="1"/>
+              <a:t>builtin</a:t>
+            </a:r>
+            <a:r>
+              <a:rPr lang="en-US" sz="1400" dirty="0"/>
+              <a:t>"	</a:t>
+            </a:r>
+            <a:r>
               <a:rPr lang="en-US" sz="1400" dirty="0" smtClean="0"/>
-              <a:t>environment“	</a:t>
+              <a:t>		an </a:t>
             </a:r>
             <a:r>
               <a:rPr lang="en-US" sz="1400" dirty="0"/>
-              <a:t>	an </a:t>
-            </a:r>
-            <a:r>
-              <a:rPr lang="en-US" sz="1400" dirty="0" smtClean="0"/>
-              <a:t>environment</a:t>
-            </a:r>
+              <a:t>internal </a:t>
+            </a:r>
+            <a:endParaRPr lang="en-US" sz="1400" dirty="0" smtClean="0"/>
           </a:p>
           <a:p>
             <a:r>
@@ -13841,92 +13913,6 @@
               <a:t>"</a:t>
             </a:r>
             <a:r>
-              <a:rPr lang="en-US" sz="1400" dirty="0" smtClean="0"/>
-              <a:t>promise“	</a:t>
-            </a:r>
-            <a:r>
-              <a:rPr lang="en-US" sz="1400" dirty="0"/>
-              <a:t>	an object used to implement lazy </a:t>
-            </a:r>
-            <a:r>
-              <a:rPr lang="en-US" sz="1400" dirty="0" smtClean="0"/>
-              <a:t>evaluation</a:t>
-            </a:r>
-          </a:p>
-          <a:p>
-            <a:r>
-              <a:rPr lang="en-US" sz="1400" dirty="0" smtClean="0"/>
-              <a:t>"</a:t>
-            </a:r>
-            <a:r>
-              <a:rPr lang="en-US" sz="1400" dirty="0"/>
-              <a:t>language"	</a:t>
-            </a:r>
-            <a:r>
-              <a:rPr lang="en-US" sz="1400" dirty="0" smtClean="0"/>
-              <a:t>	an </a:t>
-            </a:r>
-            <a:r>
-              <a:rPr lang="en-US" sz="1400" dirty="0"/>
-              <a:t>R language </a:t>
-            </a:r>
-            <a:r>
-              <a:rPr lang="en-US" sz="1400" dirty="0" smtClean="0"/>
-              <a:t>construct</a:t>
-            </a:r>
-          </a:p>
-          <a:p>
-            <a:r>
-              <a:rPr lang="en-US" sz="1400" dirty="0" smtClean="0"/>
-              <a:t>"</a:t>
-            </a:r>
-            <a:r>
-              <a:rPr lang="en-US" sz="1400" dirty="0"/>
-              <a:t>special"	</a:t>
-            </a:r>
-            <a:r>
-              <a:rPr lang="en-US" sz="1400" dirty="0" smtClean="0"/>
-              <a:t>	an </a:t>
-            </a:r>
-            <a:r>
-              <a:rPr lang="en-US" sz="1400" dirty="0"/>
-              <a:t>internal </a:t>
-            </a:r>
-            <a:r>
-              <a:rPr lang="en-US" sz="1400" dirty="0" smtClean="0"/>
-              <a:t>function</a:t>
-            </a:r>
-            <a:endParaRPr lang="en-US" sz="1400" dirty="0" smtClean="0"/>
-          </a:p>
-          <a:p>
-            <a:r>
-              <a:rPr lang="en-US" sz="1400" dirty="0" smtClean="0"/>
-              <a:t>"</a:t>
-            </a:r>
-            <a:r>
-              <a:rPr lang="en-US" sz="1400" dirty="0" err="1"/>
-              <a:t>builtin</a:t>
-            </a:r>
-            <a:r>
-              <a:rPr lang="en-US" sz="1400" dirty="0"/>
-              <a:t>"	</a:t>
-            </a:r>
-            <a:r>
-              <a:rPr lang="en-US" sz="1400" dirty="0" smtClean="0"/>
-              <a:t>		an </a:t>
-            </a:r>
-            <a:r>
-              <a:rPr lang="en-US" sz="1400" dirty="0"/>
-              <a:t>internal </a:t>
-            </a:r>
-            <a:endParaRPr lang="en-US" sz="1400" dirty="0" smtClean="0"/>
-          </a:p>
-          <a:p>
-            <a:r>
-              <a:rPr lang="en-US" sz="1400" dirty="0" smtClean="0"/>
-              <a:t>"</a:t>
-            </a:r>
-            <a:r>
               <a:rPr lang="en-US" sz="1400" dirty="0"/>
               <a:t>char"	</a:t>
             </a:r>
@@ -13946,11 +13932,7 @@
           <a:p>
             <a:r>
               <a:rPr lang="en-US" sz="1400" dirty="0" smtClean="0"/>
-              <a:t>"</a:t>
-            </a:r>
-            <a:r>
-              <a:rPr lang="en-US" sz="1400" dirty="0" smtClean="0"/>
-              <a:t>logical“		</a:t>
+              <a:t>"logical“		</a:t>
             </a:r>
             <a:r>
               <a:rPr lang="en-US" sz="1400" dirty="0"/>
@@ -16435,11 +16417,7 @@
             </a:r>
             <a:r>
               <a:rPr lang="en-US" dirty="0" smtClean="0"/>
-              <a:t> </a:t>
-            </a:r>
-            <a:r>
-              <a:rPr lang="en-US" dirty="0" smtClean="0"/>
-              <a:t>o </a:t>
+              <a:t> o </a:t>
             </a:r>
             <a:r>
               <a:rPr lang="en-US" dirty="0" err="1" smtClean="0"/>
@@ -16503,11 +16481,7 @@
             </a:r>
             <a:r>
               <a:rPr lang="en-US" dirty="0" smtClean="0"/>
-              <a:t>. </a:t>
-            </a:r>
-            <a:r>
-              <a:rPr lang="en-US" dirty="0" smtClean="0"/>
-              <a:t>Um </a:t>
+              <a:t>. Um </a:t>
             </a:r>
             <a:r>
               <a:rPr lang="en-US" dirty="0" err="1" smtClean="0"/>
@@ -16565,7 +16539,6 @@
               <a:rPr lang="en-US" dirty="0" smtClean="0"/>
               <a:t>.</a:t>
             </a:r>
-            <a:endParaRPr lang="en-US" dirty="0" smtClean="0"/>
           </a:p>
           <a:p>
             <a:pPr marL="0" indent="0">

--- a/Apresentacao Linguagem R.pptx
+++ b/Apresentacao Linguagem R.pptx
@@ -33,7 +33,8 @@
     <p:sldId id="278" r:id="rId27"/>
     <p:sldId id="279" r:id="rId28"/>
     <p:sldId id="280" r:id="rId29"/>
-    <p:sldId id="281" r:id="rId30"/>
+    <p:sldId id="285" r:id="rId30"/>
+    <p:sldId id="281" r:id="rId31"/>
   </p:sldIdLst>
   <p:sldSz cx="12192000" cy="6858000"/>
   <p:notesSz cx="6858000" cy="9144000"/>
@@ -13277,7 +13278,9 @@
           </a:xfrm>
         </p:spPr>
         <p:txBody>
-          <a:bodyPr/>
+          <a:bodyPr>
+            <a:normAutofit/>
+          </a:bodyPr>
           <a:lstStyle/>
           <a:p>
             <a:pPr marL="0" indent="0">
@@ -13472,19 +13475,17 @@
         </p:nvSpPr>
         <p:spPr>
           <a:xfrm>
-            <a:off x="1484311" y="547254"/>
-            <a:ext cx="10018713" cy="699655"/>
+            <a:off x="1484311" y="273627"/>
+            <a:ext cx="10018713" cy="824345"/>
           </a:xfrm>
         </p:spPr>
         <p:txBody>
-          <a:bodyPr>
-            <a:normAutofit fontScale="90000"/>
-          </a:bodyPr>
+          <a:bodyPr/>
           <a:lstStyle/>
           <a:p>
             <a:r>
               <a:rPr lang="pt-BR" dirty="0" smtClean="0"/>
-              <a:t>Fontes</a:t>
+              <a:t>Hands-On</a:t>
             </a:r>
             <a:endParaRPr lang="pt-BR" dirty="0"/>
           </a:p>
@@ -13500,142 +13501,456 @@
             <p:ph idx="1"/>
           </p:nvPr>
         </p:nvSpPr>
-        <p:spPr/>
+        <p:spPr>
+          <a:xfrm>
+            <a:off x="1484310" y="1274619"/>
+            <a:ext cx="10018713" cy="4516582"/>
+          </a:xfrm>
+        </p:spPr>
         <p:txBody>
-          <a:bodyPr/>
+          <a:bodyPr>
+            <a:normAutofit fontScale="77500" lnSpcReduction="20000"/>
+          </a:bodyPr>
           <a:lstStyle/>
           <a:p>
-            <a:pPr marL="457200" indent="-457200">
-              <a:buAutoNum type="arabicPeriod"/>
+            <a:pPr marL="0" indent="0">
+              <a:buNone/>
             </a:pPr>
             <a:r>
-              <a:rPr lang="pt-BR" dirty="0" smtClean="0"/>
-              <a:t>R </a:t>
-            </a:r>
-            <a:r>
-              <a:rPr lang="pt-BR" dirty="0" err="1" smtClean="0"/>
-              <a:t>Programming</a:t>
-            </a:r>
-            <a:r>
-              <a:rPr lang="pt-BR" dirty="0" smtClean="0"/>
-              <a:t>, </a:t>
-            </a:r>
-            <a:r>
-              <a:rPr lang="pt-BR" dirty="0" err="1" smtClean="0"/>
-              <a:t>Johns</a:t>
-            </a:r>
-            <a:r>
-              <a:rPr lang="pt-BR" dirty="0" smtClean="0"/>
-              <a:t> Hopkins </a:t>
-            </a:r>
-            <a:r>
-              <a:rPr lang="pt-BR" dirty="0" err="1" smtClean="0"/>
-              <a:t>Course</a:t>
-            </a:r>
-            <a:r>
-              <a:rPr lang="pt-BR" dirty="0" smtClean="0"/>
-              <a:t>, </a:t>
-            </a:r>
-            <a:r>
-              <a:rPr lang="pt-BR" dirty="0" err="1" smtClean="0"/>
-              <a:t>Coursera</a:t>
-            </a:r>
-            <a:r>
-              <a:rPr lang="pt-BR" dirty="0" smtClean="0"/>
-              <a:t>, 2015</a:t>
-            </a:r>
-          </a:p>
-          <a:p>
-            <a:pPr marL="457200" indent="-457200">
-              <a:buAutoNum type="arabicPeriod"/>
+              <a:rPr lang="en-US" dirty="0"/>
+              <a:t>Que </a:t>
+            </a:r>
+            <a:r>
+              <a:rPr lang="en-US" dirty="0" err="1"/>
+              <a:t>tal</a:t>
+            </a:r>
+            <a:r>
+              <a:rPr lang="en-US" dirty="0"/>
+              <a:t> </a:t>
+            </a:r>
+            <a:r>
+              <a:rPr lang="en-US" dirty="0" err="1"/>
+              <a:t>testar</a:t>
+            </a:r>
+            <a:r>
+              <a:rPr lang="en-US" dirty="0"/>
+              <a:t> com </a:t>
+            </a:r>
+            <a:r>
+              <a:rPr lang="en-US" dirty="0" err="1"/>
+              <a:t>exemplo</a:t>
+            </a:r>
+            <a:r>
+              <a:rPr lang="en-US" dirty="0"/>
+              <a:t> com </a:t>
+            </a:r>
+            <a:r>
+              <a:rPr lang="en-US" dirty="0" err="1"/>
+              <a:t>mais</a:t>
+            </a:r>
+            <a:r>
+              <a:rPr lang="en-US" dirty="0"/>
+              <a:t> dados</a:t>
+            </a:r>
+            <a:r>
+              <a:rPr lang="en-US" dirty="0" smtClean="0"/>
+              <a:t>? </a:t>
+            </a:r>
+            <a:r>
+              <a:rPr lang="en-US" dirty="0" err="1" smtClean="0"/>
+              <a:t>Existem</a:t>
+            </a:r>
+            <a:r>
+              <a:rPr lang="en-US" dirty="0" smtClean="0"/>
+              <a:t> </a:t>
+            </a:r>
+            <a:r>
+              <a:rPr lang="en-US" dirty="0" err="1" smtClean="0"/>
+              <a:t>diversos</a:t>
+            </a:r>
+            <a:r>
+              <a:rPr lang="en-US" dirty="0" smtClean="0"/>
+              <a:t> datasets no portal de dados do </a:t>
+            </a:r>
+            <a:r>
+              <a:rPr lang="en-US" dirty="0" err="1" smtClean="0"/>
+              <a:t>governo</a:t>
+            </a:r>
+            <a:r>
+              <a:rPr lang="en-US" dirty="0" smtClean="0"/>
+              <a:t> do Rio Grande do </a:t>
+            </a:r>
+            <a:r>
+              <a:rPr lang="en-US" dirty="0" err="1" smtClean="0"/>
+              <a:t>Sul</a:t>
+            </a:r>
+            <a:r>
+              <a:rPr lang="en-US" dirty="0" smtClean="0"/>
+              <a:t>. </a:t>
+            </a:r>
+            <a:r>
+              <a:rPr lang="en-US" dirty="0" err="1" smtClean="0"/>
+              <a:t>Todos</a:t>
+            </a:r>
+            <a:r>
+              <a:rPr lang="en-US" dirty="0" smtClean="0"/>
+              <a:t> </a:t>
+            </a:r>
+            <a:r>
+              <a:rPr lang="en-US" dirty="0" err="1" smtClean="0"/>
+              <a:t>por</a:t>
+            </a:r>
+            <a:r>
+              <a:rPr lang="en-US" dirty="0" smtClean="0"/>
+              <a:t> </a:t>
+            </a:r>
+            <a:r>
+              <a:rPr lang="en-US" dirty="0" err="1" smtClean="0"/>
+              <a:t>munícipio</a:t>
+            </a:r>
+            <a:r>
+              <a:rPr lang="en-US" dirty="0" smtClean="0"/>
+              <a:t>. </a:t>
+            </a:r>
+            <a:r>
+              <a:rPr lang="en-US" dirty="0" err="1" smtClean="0"/>
+              <a:t>Podemos</a:t>
+            </a:r>
+            <a:r>
+              <a:rPr lang="en-US" dirty="0" smtClean="0"/>
+              <a:t> </a:t>
+            </a:r>
+            <a:r>
+              <a:rPr lang="en-US" dirty="0" err="1" smtClean="0"/>
+              <a:t>baixar</a:t>
+            </a:r>
+            <a:r>
+              <a:rPr lang="en-US" dirty="0" smtClean="0"/>
+              <a:t> </a:t>
+            </a:r>
+            <a:r>
+              <a:rPr lang="en-US" dirty="0" err="1" smtClean="0"/>
+              <a:t>algums</a:t>
+            </a:r>
+            <a:r>
+              <a:rPr lang="en-US" dirty="0"/>
+              <a:t> </a:t>
+            </a:r>
+            <a:r>
+              <a:rPr lang="en-US" dirty="0" smtClean="0"/>
+              <a:t>e junta-</a:t>
+            </a:r>
+            <a:r>
+              <a:rPr lang="en-US" dirty="0" err="1" smtClean="0"/>
+              <a:t>los</a:t>
+            </a:r>
+            <a:r>
+              <a:rPr lang="en-US" dirty="0" smtClean="0"/>
+              <a:t> </a:t>
+            </a:r>
+            <a:r>
+              <a:rPr lang="en-US" dirty="0" err="1" smtClean="0"/>
+              <a:t>utilizando</a:t>
+            </a:r>
+            <a:r>
+              <a:rPr lang="en-US" dirty="0" smtClean="0"/>
+              <a:t> o </a:t>
+            </a:r>
+            <a:r>
+              <a:rPr lang="en-US" dirty="0" err="1" smtClean="0"/>
+              <a:t>código</a:t>
+            </a:r>
+            <a:r>
+              <a:rPr lang="en-US" dirty="0" smtClean="0"/>
+              <a:t> do </a:t>
+            </a:r>
+            <a:r>
+              <a:rPr lang="en-US" dirty="0" err="1" smtClean="0"/>
+              <a:t>munícipio</a:t>
+            </a:r>
+            <a:r>
+              <a:rPr lang="en-US" dirty="0" smtClean="0"/>
+              <a:t> para </a:t>
+            </a:r>
+            <a:r>
+              <a:rPr lang="en-US" dirty="0" err="1" smtClean="0"/>
+              <a:t>realizarmos</a:t>
+            </a:r>
+            <a:r>
+              <a:rPr lang="en-US" dirty="0" smtClean="0"/>
+              <a:t> </a:t>
+            </a:r>
+            <a:r>
+              <a:rPr lang="en-US" dirty="0" err="1" smtClean="0"/>
+              <a:t>cruzamentos</a:t>
+            </a:r>
+            <a:r>
+              <a:rPr lang="en-US" dirty="0" smtClean="0"/>
+              <a:t> e </a:t>
+            </a:r>
+            <a:r>
+              <a:rPr lang="en-US" dirty="0" err="1" smtClean="0"/>
+              <a:t>predições</a:t>
+            </a:r>
+            <a:r>
+              <a:rPr lang="en-US" dirty="0" smtClean="0"/>
+              <a:t>. </a:t>
+            </a:r>
+            <a:r>
+              <a:rPr lang="en-US" dirty="0" err="1" smtClean="0"/>
+              <a:t>Baixe</a:t>
+            </a:r>
+            <a:r>
+              <a:rPr lang="en-US" dirty="0" smtClean="0"/>
+              <a:t> e </a:t>
+            </a:r>
+            <a:r>
+              <a:rPr lang="en-US" dirty="0" err="1" smtClean="0"/>
+              <a:t>suba</a:t>
+            </a:r>
+            <a:r>
+              <a:rPr lang="en-US" dirty="0" smtClean="0"/>
+              <a:t> para </a:t>
+            </a:r>
+            <a:r>
+              <a:rPr lang="en-US" dirty="0" err="1" smtClean="0"/>
+              <a:t>seu</a:t>
+            </a:r>
+            <a:r>
+              <a:rPr lang="en-US" dirty="0" smtClean="0"/>
+              <a:t> </a:t>
+            </a:r>
+            <a:r>
+              <a:rPr lang="en-US" dirty="0" err="1" smtClean="0"/>
+              <a:t>ambiente</a:t>
+            </a:r>
+            <a:r>
+              <a:rPr lang="en-US" dirty="0" smtClean="0"/>
+              <a:t> R </a:t>
+            </a:r>
+            <a:r>
+              <a:rPr lang="en-US" dirty="0" err="1" smtClean="0"/>
+              <a:t>os</a:t>
+            </a:r>
+            <a:r>
+              <a:rPr lang="en-US" dirty="0" smtClean="0"/>
+              <a:t> </a:t>
+            </a:r>
+            <a:r>
+              <a:rPr lang="en-US" dirty="0" err="1" smtClean="0"/>
+              <a:t>csvs</a:t>
+            </a:r>
+            <a:r>
+              <a:rPr lang="en-US" dirty="0" smtClean="0"/>
+              <a:t> que se </a:t>
+            </a:r>
+            <a:r>
+              <a:rPr lang="en-US" dirty="0" err="1" smtClean="0"/>
+              <a:t>encontram</a:t>
+            </a:r>
+            <a:r>
+              <a:rPr lang="en-US" dirty="0" smtClean="0"/>
+              <a:t> no </a:t>
+            </a:r>
+            <a:r>
+              <a:rPr lang="en-US" dirty="0" err="1" smtClean="0"/>
+              <a:t>repositório</a:t>
+            </a:r>
+            <a:r>
+              <a:rPr lang="en-US" dirty="0" smtClean="0"/>
+              <a:t>.</a:t>
+            </a:r>
+          </a:p>
+          <a:p>
+            <a:pPr marL="0" indent="0">
+              <a:buNone/>
             </a:pPr>
             <a:r>
-              <a:rPr lang="pt-BR" dirty="0" err="1" smtClean="0"/>
-              <a:t>An</a:t>
-            </a:r>
-            <a:r>
-              <a:rPr lang="pt-BR" dirty="0" smtClean="0"/>
-              <a:t> </a:t>
-            </a:r>
-            <a:r>
-              <a:rPr lang="pt-BR" dirty="0" err="1" smtClean="0"/>
-              <a:t>Introduction</a:t>
-            </a:r>
-            <a:r>
-              <a:rPr lang="pt-BR" dirty="0" smtClean="0"/>
-              <a:t> </a:t>
-            </a:r>
-            <a:r>
-              <a:rPr lang="pt-BR" dirty="0" err="1" smtClean="0"/>
-              <a:t>to</a:t>
-            </a:r>
-            <a:r>
-              <a:rPr lang="pt-BR" dirty="0"/>
-              <a:t> R &lt; </a:t>
-            </a:r>
-            <a:r>
-              <a:rPr lang="pt-BR" dirty="0">
+              <a:rPr lang="en-US" dirty="0" smtClean="0"/>
+              <a:t>Datasets </a:t>
+            </a:r>
+            <a:r>
+              <a:rPr lang="en-US" dirty="0" err="1" smtClean="0"/>
+              <a:t>utilizados</a:t>
+            </a:r>
+            <a:r>
+              <a:rPr lang="en-US" dirty="0" smtClean="0"/>
+              <a:t>:</a:t>
+            </a:r>
+          </a:p>
+          <a:p>
+            <a:pPr marL="0" indent="0">
+              <a:buNone/>
+            </a:pPr>
+            <a:r>
+              <a:rPr lang="en-US" dirty="0">
                 <a:hlinkClick r:id="rId2"/>
               </a:rPr>
-              <a:t>https://</a:t>
-            </a:r>
-            <a:r>
-              <a:rPr lang="pt-BR" dirty="0" smtClean="0">
+              <a:t>http://</a:t>
+            </a:r>
+            <a:r>
+              <a:rPr lang="en-US" dirty="0" smtClean="0">
                 <a:hlinkClick r:id="rId2"/>
               </a:rPr>
-              <a:t>cran.r-project.org/doc/manuals/r-release/R-intro.html</a:t>
-            </a:r>
-            <a:r>
-              <a:rPr lang="pt-BR" dirty="0" smtClean="0"/>
-              <a:t>&gt;</a:t>
-            </a:r>
-          </a:p>
-          <a:p>
-            <a:pPr marL="457200" indent="-457200">
-              <a:buAutoNum type="arabicPeriod"/>
+              <a:t>dados.rs.gov.br/dataset/pib-per-capita-nos-municipios-do-rs-1999-2011</a:t>
+            </a:r>
+            <a:endParaRPr lang="en-US" dirty="0" smtClean="0"/>
+          </a:p>
+          <a:p>
+            <a:pPr marL="0" indent="0">
+              <a:buNone/>
             </a:pPr>
             <a:r>
-              <a:rPr lang="pt-BR" dirty="0" err="1" smtClean="0"/>
-              <a:t>RandomForest</a:t>
-            </a:r>
-            <a:r>
-              <a:rPr lang="pt-BR" dirty="0" smtClean="0"/>
-              <a:t> </a:t>
-            </a:r>
-            <a:r>
-              <a:rPr lang="pt-BR" dirty="0" err="1" smtClean="0"/>
-              <a:t>Documentation</a:t>
-            </a:r>
-            <a:r>
-              <a:rPr lang="pt-BR" dirty="0"/>
-              <a:t> &lt; </a:t>
-            </a:r>
-            <a:r>
-              <a:rPr lang="pt-BR" dirty="0">
+              <a:rPr lang="en-US" dirty="0">
                 <a:hlinkClick r:id="rId3"/>
               </a:rPr>
-              <a:t>https://</a:t>
-            </a:r>
-            <a:r>
-              <a:rPr lang="pt-BR" dirty="0" smtClean="0">
+              <a:t>http://</a:t>
+            </a:r>
+            <a:r>
+              <a:rPr lang="en-US" dirty="0" smtClean="0">
                 <a:hlinkClick r:id="rId3"/>
               </a:rPr>
-              <a:t>cran.r-project.org/web/packages/randomForest/index.html</a:t>
-            </a:r>
-            <a:r>
-              <a:rPr lang="pt-BR" dirty="0" smtClean="0"/>
-              <a:t>&gt;</a:t>
-            </a:r>
-          </a:p>
-          <a:p>
-            <a:pPr marL="457200" indent="-457200">
-              <a:buAutoNum type="arabicPeriod"/>
+              <a:t>dados.rs.gov.br/dataset/numero-de-acidentes-fatais-total-nos-municipios-do-rs-2007-2013</a:t>
+            </a:r>
+            <a:endParaRPr lang="en-US" dirty="0" smtClean="0"/>
+          </a:p>
+          <a:p>
+            <a:pPr marL="0" indent="0">
+              <a:buNone/>
             </a:pPr>
-            <a:endParaRPr lang="pt-BR" dirty="0" smtClean="0"/>
-          </a:p>
-          <a:p>
-            <a:pPr marL="457200" indent="-457200">
-              <a:buAutoNum type="arabicPeriod"/>
+            <a:r>
+              <a:rPr lang="en-US" dirty="0">
+                <a:hlinkClick r:id="rId4"/>
+              </a:rPr>
+              <a:t>http://</a:t>
+            </a:r>
+            <a:r>
+              <a:rPr lang="en-US" dirty="0" smtClean="0">
+                <a:hlinkClick r:id="rId4"/>
+              </a:rPr>
+              <a:t>dados.rs.gov.br/dataset/educacao-infantil-numero-de-estabelecimentos-particulares-nos-municipios-do-rs-1991-2010</a:t>
+            </a:r>
+            <a:endParaRPr lang="en-US" dirty="0" smtClean="0"/>
+          </a:p>
+          <a:p>
+            <a:pPr marL="0" indent="0">
+              <a:buNone/>
+            </a:pPr>
+            <a:endParaRPr lang="en-US" dirty="0"/>
+          </a:p>
+          <a:p>
+            <a:pPr marL="0" indent="0">
+              <a:buNone/>
+            </a:pPr>
+            <a:endParaRPr lang="en-US" dirty="0"/>
+          </a:p>
+          <a:p>
+            <a:pPr marL="0" indent="0">
+              <a:buNone/>
+            </a:pPr>
+            <a:r>
+              <a:rPr lang="en-US" dirty="0" err="1" smtClean="0"/>
+              <a:t>Dicas</a:t>
+            </a:r>
+            <a:r>
+              <a:rPr lang="en-US" dirty="0" smtClean="0"/>
+              <a:t>:</a:t>
+            </a:r>
+          </a:p>
+          <a:p>
+            <a:r>
+              <a:rPr lang="en-US" dirty="0" smtClean="0"/>
+              <a:t>A </a:t>
+            </a:r>
+            <a:r>
+              <a:rPr lang="en-US" dirty="0" err="1" smtClean="0"/>
+              <a:t>função</a:t>
+            </a:r>
+            <a:r>
+              <a:rPr lang="en-US" dirty="0" smtClean="0"/>
+              <a:t> </a:t>
+            </a:r>
+            <a:r>
+              <a:rPr lang="en-US" dirty="0" err="1" smtClean="0"/>
+              <a:t>complete.cases</a:t>
+            </a:r>
+            <a:r>
+              <a:rPr lang="en-US" dirty="0" smtClean="0"/>
+              <a:t>, que </a:t>
+            </a:r>
+            <a:r>
+              <a:rPr lang="en-US" dirty="0" err="1" smtClean="0"/>
+              <a:t>retorna</a:t>
+            </a:r>
+            <a:r>
+              <a:rPr lang="en-US" dirty="0" smtClean="0"/>
+              <a:t> TRUE </a:t>
+            </a:r>
+            <a:r>
+              <a:rPr lang="en-US" dirty="0" err="1" smtClean="0"/>
+              <a:t>apenas</a:t>
+            </a:r>
+            <a:r>
+              <a:rPr lang="en-US" dirty="0" smtClean="0"/>
+              <a:t> se a </a:t>
+            </a:r>
+            <a:r>
+              <a:rPr lang="en-US" dirty="0" err="1" smtClean="0"/>
+              <a:t>linha</a:t>
+            </a:r>
+            <a:r>
+              <a:rPr lang="en-US" dirty="0" smtClean="0"/>
+              <a:t> </a:t>
+            </a:r>
+            <a:r>
+              <a:rPr lang="en-US" dirty="0" err="1" smtClean="0"/>
+              <a:t>não</a:t>
+            </a:r>
+            <a:r>
+              <a:rPr lang="en-US" dirty="0" smtClean="0"/>
+              <a:t> </a:t>
+            </a:r>
+            <a:r>
+              <a:rPr lang="en-US" dirty="0" err="1" smtClean="0"/>
+              <a:t>tiver</a:t>
+            </a:r>
+            <a:r>
+              <a:rPr lang="en-US" dirty="0" smtClean="0"/>
+              <a:t> </a:t>
+            </a:r>
+            <a:r>
+              <a:rPr lang="en-US" dirty="0" err="1" smtClean="0"/>
+              <a:t>nenhum</a:t>
+            </a:r>
+            <a:r>
+              <a:rPr lang="en-US" dirty="0" smtClean="0"/>
+              <a:t> NA, </a:t>
+            </a:r>
+            <a:r>
+              <a:rPr lang="en-US" dirty="0" err="1" smtClean="0"/>
+              <a:t>pode</a:t>
+            </a:r>
+            <a:r>
+              <a:rPr lang="en-US" dirty="0" smtClean="0"/>
+              <a:t> </a:t>
+            </a:r>
+            <a:r>
+              <a:rPr lang="en-US" dirty="0" err="1" smtClean="0"/>
+              <a:t>ser</a:t>
+            </a:r>
+            <a:r>
+              <a:rPr lang="en-US" dirty="0" smtClean="0"/>
+              <a:t> </a:t>
+            </a:r>
+            <a:r>
+              <a:rPr lang="en-US" dirty="0" err="1" smtClean="0"/>
+              <a:t>útil</a:t>
+            </a:r>
+            <a:endParaRPr lang="en-US" dirty="0"/>
+          </a:p>
+          <a:p>
+            <a:pPr marL="0" indent="0">
+              <a:buNone/>
             </a:pPr>
             <a:endParaRPr lang="pt-BR" dirty="0"/>
           </a:p>
@@ -13644,7 +13959,7 @@
     </p:spTree>
     <p:extLst>
       <p:ext uri="{BB962C8B-B14F-4D97-AF65-F5344CB8AC3E}">
-        <p14:creationId xmlns:p14="http://schemas.microsoft.com/office/powerpoint/2010/main" val="2247011844"/>
+        <p14:creationId xmlns:p14="http://schemas.microsoft.com/office/powerpoint/2010/main" val="153371031"/>
       </p:ext>
     </p:extLst>
   </p:cSld>
@@ -14369,6 +14684,232 @@
     <p:extLst>
       <p:ext uri="{BB962C8B-B14F-4D97-AF65-F5344CB8AC3E}">
         <p14:creationId xmlns:p14="http://schemas.microsoft.com/office/powerpoint/2010/main" val="446217012"/>
+      </p:ext>
+    </p:extLst>
+  </p:cSld>
+  <p:clrMapOvr>
+    <a:masterClrMapping/>
+  </p:clrMapOvr>
+</p:sld>
+</file>
+
+<file path=ppt/slides/slide30.xml><?xml version="1.0" encoding="utf-8"?>
+<p:sld xmlns:a="http://schemas.openxmlformats.org/drawingml/2006/main" xmlns:r="http://schemas.openxmlformats.org/officeDocument/2006/relationships" xmlns:p="http://schemas.openxmlformats.org/presentationml/2006/main">
+  <p:cSld>
+    <p:spTree>
+      <p:nvGrpSpPr>
+        <p:cNvPr id="1" name=""/>
+        <p:cNvGrpSpPr/>
+        <p:nvPr/>
+      </p:nvGrpSpPr>
+      <p:grpSpPr>
+        <a:xfrm>
+          <a:off x="0" y="0"/>
+          <a:ext cx="0" cy="0"/>
+          <a:chOff x="0" y="0"/>
+          <a:chExt cx="0" cy="0"/>
+        </a:xfrm>
+      </p:grpSpPr>
+      <p:sp>
+        <p:nvSpPr>
+          <p:cNvPr id="2" name="Título 1"/>
+          <p:cNvSpPr>
+            <a:spLocks noGrp="1"/>
+          </p:cNvSpPr>
+          <p:nvPr>
+            <p:ph type="title"/>
+          </p:nvPr>
+        </p:nvSpPr>
+        <p:spPr>
+          <a:xfrm>
+            <a:off x="1484311" y="547254"/>
+            <a:ext cx="10018713" cy="699655"/>
+          </a:xfrm>
+        </p:spPr>
+        <p:txBody>
+          <a:bodyPr>
+            <a:normAutofit fontScale="90000"/>
+          </a:bodyPr>
+          <a:lstStyle/>
+          <a:p>
+            <a:r>
+              <a:rPr lang="pt-BR" dirty="0" smtClean="0"/>
+              <a:t>Fontes</a:t>
+            </a:r>
+            <a:endParaRPr lang="pt-BR" dirty="0"/>
+          </a:p>
+        </p:txBody>
+      </p:sp>
+      <p:sp>
+        <p:nvSpPr>
+          <p:cNvPr id="3" name="Espaço Reservado para Conteúdo 2"/>
+          <p:cNvSpPr>
+            <a:spLocks noGrp="1"/>
+          </p:cNvSpPr>
+          <p:nvPr>
+            <p:ph idx="1"/>
+          </p:nvPr>
+        </p:nvSpPr>
+        <p:spPr>
+          <a:xfrm>
+            <a:off x="1484311" y="1988126"/>
+            <a:ext cx="10018713" cy="3124201"/>
+          </a:xfrm>
+        </p:spPr>
+        <p:txBody>
+          <a:bodyPr>
+            <a:normAutofit/>
+          </a:bodyPr>
+          <a:lstStyle/>
+          <a:p>
+            <a:pPr marL="457200" indent="-457200">
+              <a:buAutoNum type="arabicPeriod"/>
+            </a:pPr>
+            <a:r>
+              <a:rPr lang="pt-BR" dirty="0" smtClean="0"/>
+              <a:t>R </a:t>
+            </a:r>
+            <a:r>
+              <a:rPr lang="pt-BR" dirty="0" err="1" smtClean="0"/>
+              <a:t>Programming</a:t>
+            </a:r>
+            <a:r>
+              <a:rPr lang="pt-BR" dirty="0" smtClean="0"/>
+              <a:t>, </a:t>
+            </a:r>
+            <a:r>
+              <a:rPr lang="pt-BR" dirty="0" err="1" smtClean="0"/>
+              <a:t>Johns</a:t>
+            </a:r>
+            <a:r>
+              <a:rPr lang="pt-BR" dirty="0" smtClean="0"/>
+              <a:t> Hopkins </a:t>
+            </a:r>
+            <a:r>
+              <a:rPr lang="pt-BR" dirty="0" err="1" smtClean="0"/>
+              <a:t>Course</a:t>
+            </a:r>
+            <a:r>
+              <a:rPr lang="pt-BR" dirty="0" smtClean="0"/>
+              <a:t>, </a:t>
+            </a:r>
+            <a:r>
+              <a:rPr lang="pt-BR" dirty="0" err="1" smtClean="0"/>
+              <a:t>Coursera</a:t>
+            </a:r>
+            <a:r>
+              <a:rPr lang="pt-BR" dirty="0" smtClean="0"/>
+              <a:t>, 2015</a:t>
+            </a:r>
+          </a:p>
+          <a:p>
+            <a:pPr marL="457200" indent="-457200">
+              <a:buAutoNum type="arabicPeriod"/>
+            </a:pPr>
+            <a:r>
+              <a:rPr lang="pt-BR" dirty="0" err="1" smtClean="0"/>
+              <a:t>An</a:t>
+            </a:r>
+            <a:r>
+              <a:rPr lang="pt-BR" dirty="0" smtClean="0"/>
+              <a:t> </a:t>
+            </a:r>
+            <a:r>
+              <a:rPr lang="pt-BR" dirty="0" err="1" smtClean="0"/>
+              <a:t>Introduction</a:t>
+            </a:r>
+            <a:r>
+              <a:rPr lang="pt-BR" dirty="0" smtClean="0"/>
+              <a:t> </a:t>
+            </a:r>
+            <a:r>
+              <a:rPr lang="pt-BR" dirty="0" err="1" smtClean="0"/>
+              <a:t>to</a:t>
+            </a:r>
+            <a:r>
+              <a:rPr lang="pt-BR" dirty="0"/>
+              <a:t> R &lt; </a:t>
+            </a:r>
+            <a:r>
+              <a:rPr lang="pt-BR" dirty="0">
+                <a:hlinkClick r:id="rId2"/>
+              </a:rPr>
+              <a:t>https://</a:t>
+            </a:r>
+            <a:r>
+              <a:rPr lang="pt-BR" dirty="0" smtClean="0">
+                <a:hlinkClick r:id="rId2"/>
+              </a:rPr>
+              <a:t>cran.r-project.org/doc/manuals/r-release/R-intro.html</a:t>
+            </a:r>
+            <a:r>
+              <a:rPr lang="pt-BR" dirty="0" smtClean="0"/>
+              <a:t>&gt;</a:t>
+            </a:r>
+          </a:p>
+          <a:p>
+            <a:pPr marL="457200" indent="-457200">
+              <a:buAutoNum type="arabicPeriod"/>
+            </a:pPr>
+            <a:r>
+              <a:rPr lang="pt-BR" dirty="0" err="1" smtClean="0"/>
+              <a:t>RandomForest</a:t>
+            </a:r>
+            <a:r>
+              <a:rPr lang="pt-BR" dirty="0" smtClean="0"/>
+              <a:t> </a:t>
+            </a:r>
+            <a:r>
+              <a:rPr lang="pt-BR" dirty="0" err="1" smtClean="0"/>
+              <a:t>Documentation</a:t>
+            </a:r>
+            <a:r>
+              <a:rPr lang="pt-BR" dirty="0"/>
+              <a:t> &lt; </a:t>
+            </a:r>
+            <a:r>
+              <a:rPr lang="pt-BR" dirty="0">
+                <a:hlinkClick r:id="rId3"/>
+              </a:rPr>
+              <a:t>https://</a:t>
+            </a:r>
+            <a:r>
+              <a:rPr lang="pt-BR" dirty="0" smtClean="0">
+                <a:hlinkClick r:id="rId3"/>
+              </a:rPr>
+              <a:t>cran.r-project.org/web/packages/randomForest/index.html</a:t>
+            </a:r>
+            <a:r>
+              <a:rPr lang="pt-BR" dirty="0" smtClean="0"/>
+              <a:t>&gt;</a:t>
+            </a:r>
+          </a:p>
+          <a:p>
+            <a:pPr marL="457200" indent="-457200">
+              <a:buAutoNum type="arabicPeriod"/>
+            </a:pPr>
+            <a:r>
+              <a:rPr lang="pt-BR" dirty="0"/>
+              <a:t>http://dados.rs.gov.br</a:t>
+            </a:r>
+            <a:r>
+              <a:rPr lang="pt-BR" dirty="0" smtClean="0"/>
+              <a:t>/</a:t>
+            </a:r>
+            <a:endParaRPr lang="pt-BR" dirty="0" smtClean="0"/>
+          </a:p>
+          <a:p>
+            <a:pPr marL="457200" indent="-457200">
+              <a:buAutoNum type="arabicPeriod"/>
+            </a:pPr>
+            <a:endParaRPr lang="pt-BR" dirty="0"/>
+          </a:p>
+        </p:txBody>
+      </p:sp>
+    </p:spTree>
+    <p:extLst>
+      <p:ext uri="{BB962C8B-B14F-4D97-AF65-F5344CB8AC3E}">
+        <p14:creationId xmlns:p14="http://schemas.microsoft.com/office/powerpoint/2010/main" val="2247011844"/>
       </p:ext>
     </p:extLst>
   </p:cSld>
